--- a/docs/ConsoleXPresentation.pptx
+++ b/docs/ConsoleXPresentation.pptx
@@ -5,22 +5,23 @@
     <p:sldMasterId id="2147483648" r:id="rId1"/>
   </p:sldMasterIdLst>
   <p:notesMasterIdLst>
-    <p:notesMasterId r:id="rId12"/>
+    <p:notesMasterId r:id="rId13"/>
   </p:notesMasterIdLst>
   <p:handoutMasterIdLst>
-    <p:handoutMasterId r:id="rId13"/>
+    <p:handoutMasterId r:id="rId14"/>
   </p:handoutMasterIdLst>
   <p:sldIdLst>
     <p:sldId id="256" r:id="rId2"/>
-    <p:sldId id="258" r:id="rId3"/>
-    <p:sldId id="261" r:id="rId4"/>
-    <p:sldId id="288" r:id="rId5"/>
-    <p:sldId id="290" r:id="rId6"/>
-    <p:sldId id="265" r:id="rId7"/>
-    <p:sldId id="291" r:id="rId8"/>
-    <p:sldId id="289" r:id="rId9"/>
-    <p:sldId id="276" r:id="rId10"/>
-    <p:sldId id="277" r:id="rId11"/>
+    <p:sldId id="292" r:id="rId3"/>
+    <p:sldId id="258" r:id="rId4"/>
+    <p:sldId id="261" r:id="rId5"/>
+    <p:sldId id="288" r:id="rId6"/>
+    <p:sldId id="290" r:id="rId7"/>
+    <p:sldId id="265" r:id="rId8"/>
+    <p:sldId id="291" r:id="rId9"/>
+    <p:sldId id="289" r:id="rId10"/>
+    <p:sldId id="276" r:id="rId11"/>
+    <p:sldId id="277" r:id="rId12"/>
   </p:sldIdLst>
   <p:sldSz cx="12192000" cy="6858000"/>
   <p:notesSz cx="6858000" cy="9144000"/>
@@ -848,7 +849,7 @@
             <a:pPr rtl="0"/>
             <a:fld id="{6FC40A10-6036-4879-816D-55C01FC94846}" type="slidenum">
               <a:rPr lang="hu-HU" smtClean="0"/>
-              <a:t>2</a:t>
+              <a:t>3</a:t>
             </a:fld>
             <a:endParaRPr lang="hu-HU" dirty="0"/>
           </a:p>
@@ -934,7 +935,7 @@
             <a:pPr rtl="0"/>
             <a:fld id="{6FC40A10-6036-4879-816D-55C01FC94846}" type="slidenum">
               <a:rPr lang="hu-HU" smtClean="0"/>
-              <a:t>3</a:t>
+              <a:t>4</a:t>
             </a:fld>
             <a:endParaRPr lang="hu-HU" dirty="0"/>
           </a:p>
@@ -1020,7 +1021,7 @@
             <a:pPr rtl="0"/>
             <a:fld id="{6FC40A10-6036-4879-816D-55C01FC94846}" type="slidenum">
               <a:rPr lang="hu-HU" smtClean="0"/>
-              <a:t>6</a:t>
+              <a:t>7</a:t>
             </a:fld>
             <a:endParaRPr lang="hu-HU" dirty="0"/>
           </a:p>
@@ -1106,7 +1107,7 @@
             <a:pPr rtl="0"/>
             <a:fld id="{6FC40A10-6036-4879-816D-55C01FC94846}" type="slidenum">
               <a:rPr lang="hu-HU" smtClean="0"/>
-              <a:t>9</a:t>
+              <a:t>10</a:t>
             </a:fld>
             <a:endParaRPr lang="hu-HU" dirty="0"/>
           </a:p>
@@ -1192,7 +1193,7 @@
             <a:pPr rtl="0"/>
             <a:fld id="{6FC40A10-6036-4879-816D-55C01FC94846}" type="slidenum">
               <a:rPr lang="hu-HU" smtClean="0"/>
-              <a:t>10</a:t>
+              <a:t>11</a:t>
             </a:fld>
             <a:endParaRPr lang="hu-HU" dirty="0"/>
           </a:p>
@@ -44448,13 +44449,13 @@
   <p:clrMapOvr>
     <a:masterClrMapping/>
   </p:clrMapOvr>
-  <mc:AlternateContent xmlns:mc="http://schemas.openxmlformats.org/markup-compatibility/2006">
-    <mc:Choice xmlns:p14="http://schemas.microsoft.com/office/powerpoint/2010/main" Requires="p14">
+  <mc:AlternateContent xmlns:mc="http://schemas.openxmlformats.org/markup-compatibility/2006" xmlns:p14="http://schemas.microsoft.com/office/powerpoint/2010/main">
+    <mc:Choice Requires="p14">
       <p:transition spd="slow" p14:dur="1500">
         <p:split orient="vert"/>
       </p:transition>
     </mc:Choice>
-    <mc:Fallback>
+    <mc:Fallback xmlns="">
       <p:transition spd="slow">
         <p:split orient="vert"/>
       </p:transition>
@@ -44464,6 +44465,249 @@
 </file>
 
 <file path=ppt/slides/slide10.xml><?xml version="1.0" encoding="utf-8"?>
+<p:sld xmlns:a="http://schemas.openxmlformats.org/drawingml/2006/main" xmlns:r="http://schemas.openxmlformats.org/officeDocument/2006/relationships" xmlns:p="http://schemas.openxmlformats.org/presentationml/2006/main">
+  <p:cSld>
+    <p:spTree>
+      <p:nvGrpSpPr>
+        <p:cNvPr id="1" name=""/>
+        <p:cNvGrpSpPr/>
+        <p:nvPr/>
+      </p:nvGrpSpPr>
+      <p:grpSpPr>
+        <a:xfrm>
+          <a:off x="0" y="0"/>
+          <a:ext cx="0" cy="0"/>
+          <a:chOff x="0" y="0"/>
+          <a:chExt cx="0" cy="0"/>
+        </a:xfrm>
+      </p:grpSpPr>
+      <p:pic>
+        <p:nvPicPr>
+          <p:cNvPr id="20" name="Kép helyőrzője 19" descr="Absztrakt háttér">
+            <a:extLst>
+              <a:ext uri="{FF2B5EF4-FFF2-40B4-BE49-F238E27FC236}">
+                <a16:creationId xmlns:a16="http://schemas.microsoft.com/office/drawing/2014/main" id="{B9CF847D-0BA8-4D40-B95D-DAC8A415A56D}"/>
+              </a:ext>
+            </a:extLst>
+          </p:cNvPr>
+          <p:cNvPicPr>
+            <a:picLocks noGrp="1" noChangeAspect="1"/>
+          </p:cNvPicPr>
+          <p:nvPr>
+            <p:ph type="pic" sz="quarter" idx="15"/>
+          </p:nvPr>
+        </p:nvPicPr>
+        <p:blipFill>
+          <a:blip r:embed="rId3">
+            <a:extLst>
+              <a:ext uri="{28A0092B-C50C-407E-A947-70E740481C1C}">
+                <a14:useLocalDpi xmlns:a14="http://schemas.microsoft.com/office/drawing/2010/main" val="0"/>
+              </a:ext>
+            </a:extLst>
+          </a:blip>
+          <a:srcRect/>
+          <a:stretch>
+            <a:fillRect/>
+          </a:stretch>
+        </p:blipFill>
+        <p:spPr>
+          <a:xfrm>
+            <a:off x="365406" y="1742305"/>
+            <a:ext cx="6073999" cy="3721608"/>
+          </a:xfrm>
+        </p:spPr>
+      </p:pic>
+      <p:sp>
+        <p:nvSpPr>
+          <p:cNvPr id="5" name="Cím 4">
+            <a:extLst>
+              <a:ext uri="{FF2B5EF4-FFF2-40B4-BE49-F238E27FC236}">
+                <a16:creationId xmlns:a16="http://schemas.microsoft.com/office/drawing/2014/main" id="{953F70E9-6111-446A-BD49-B6A996FA030D}"/>
+              </a:ext>
+            </a:extLst>
+          </p:cNvPr>
+          <p:cNvSpPr>
+            <a:spLocks noGrp="1"/>
+          </p:cNvSpPr>
+          <p:nvPr>
+            <p:ph type="title"/>
+          </p:nvPr>
+        </p:nvSpPr>
+        <p:spPr/>
+        <p:txBody>
+          <a:bodyPr rtlCol="0"/>
+          <a:lstStyle/>
+          <a:p>
+            <a:pPr rtl="0"/>
+            <a:r>
+              <a:rPr lang="hu-HU" dirty="0" err="1"/>
+              <a:t>Summary</a:t>
+            </a:r>
+            <a:endParaRPr lang="hu-HU" dirty="0"/>
+          </a:p>
+        </p:txBody>
+      </p:sp>
+      <p:sp>
+        <p:nvSpPr>
+          <p:cNvPr id="6" name="Szöveg helye 5">
+            <a:extLst>
+              <a:ext uri="{FF2B5EF4-FFF2-40B4-BE49-F238E27FC236}">
+                <a16:creationId xmlns:a16="http://schemas.microsoft.com/office/drawing/2014/main" id="{33221DE2-465E-4B89-BDBB-17EC727932B0}"/>
+              </a:ext>
+            </a:extLst>
+          </p:cNvPr>
+          <p:cNvSpPr>
+            <a:spLocks noGrp="1"/>
+          </p:cNvSpPr>
+          <p:nvPr>
+            <p:ph type="body" idx="1"/>
+          </p:nvPr>
+        </p:nvSpPr>
+        <p:spPr/>
+        <p:txBody>
+          <a:bodyPr rtlCol="0">
+            <a:normAutofit/>
+          </a:bodyPr>
+          <a:lstStyle/>
+          <a:p>
+            <a:pPr rtl="0"/>
+            <a:r>
+              <a:rPr lang="hu-HU" sz="2400" dirty="0" err="1"/>
+              <a:t>What</a:t>
+            </a:r>
+            <a:r>
+              <a:rPr lang="hu-HU" sz="2400" dirty="0"/>
+              <a:t> </a:t>
+            </a:r>
+            <a:r>
+              <a:rPr lang="hu-HU" sz="2400" dirty="0" err="1"/>
+              <a:t>we</a:t>
+            </a:r>
+            <a:r>
+              <a:rPr lang="hu-HU" sz="2400" dirty="0"/>
+              <a:t> </a:t>
+            </a:r>
+            <a:r>
+              <a:rPr lang="hu-HU" sz="2400" dirty="0" err="1"/>
+              <a:t>accomplished</a:t>
+            </a:r>
+            <a:r>
+              <a:rPr lang="hu-HU" sz="2400" dirty="0"/>
+              <a:t>:</a:t>
+            </a:r>
+          </a:p>
+        </p:txBody>
+      </p:sp>
+      <p:sp>
+        <p:nvSpPr>
+          <p:cNvPr id="8" name="Szöveg helye 7">
+            <a:extLst>
+              <a:ext uri="{FF2B5EF4-FFF2-40B4-BE49-F238E27FC236}">
+                <a16:creationId xmlns:a16="http://schemas.microsoft.com/office/drawing/2014/main" id="{7F9E6494-1485-4A3D-8CD3-31B5FAC16899}"/>
+              </a:ext>
+            </a:extLst>
+          </p:cNvPr>
+          <p:cNvSpPr>
+            <a:spLocks noGrp="1"/>
+          </p:cNvSpPr>
+          <p:nvPr>
+            <p:ph type="body" idx="14"/>
+          </p:nvPr>
+        </p:nvSpPr>
+        <p:spPr/>
+        <p:txBody>
+          <a:bodyPr rtlCol="0"/>
+          <a:lstStyle/>
+          <a:p>
+            <a:pPr rtl="0"/>
+            <a:r>
+              <a:rPr lang="hu-HU" dirty="0"/>
+              <a:t>.</a:t>
+            </a:r>
+          </a:p>
+          <a:p>
+            <a:pPr rtl="0"/>
+            <a:endParaRPr lang="hu-HU" dirty="0"/>
+          </a:p>
+        </p:txBody>
+      </p:sp>
+      <p:sp>
+        <p:nvSpPr>
+          <p:cNvPr id="4" name="Dia számának helye 3">
+            <a:extLst>
+              <a:ext uri="{FF2B5EF4-FFF2-40B4-BE49-F238E27FC236}">
+                <a16:creationId xmlns:a16="http://schemas.microsoft.com/office/drawing/2014/main" id="{F9EB9F42-DBAC-4200-A2A6-96F4D943EB76}"/>
+              </a:ext>
+            </a:extLst>
+          </p:cNvPr>
+          <p:cNvSpPr>
+            <a:spLocks noGrp="1"/>
+          </p:cNvSpPr>
+          <p:nvPr>
+            <p:ph type="sldNum" sz="quarter" idx="12"/>
+          </p:nvPr>
+        </p:nvSpPr>
+        <p:spPr/>
+        <p:txBody>
+          <a:bodyPr rtlCol="0"/>
+          <a:lstStyle/>
+          <a:p>
+            <a:pPr rtl="0"/>
+            <a:fld id="{8D581BC7-E183-40DB-AC97-C19EA4EB8894}" type="slidenum">
+              <a:rPr lang="hu-HU" smtClean="0"/>
+              <a:pPr rtl="0"/>
+              <a:t>10</a:t>
+            </a:fld>
+            <a:endParaRPr lang="hu-HU" dirty="0"/>
+          </a:p>
+        </p:txBody>
+      </p:sp>
+      <p:pic>
+        <p:nvPicPr>
+          <p:cNvPr id="9" name="Kép helye 8"/>
+          <p:cNvPicPr>
+            <a:picLocks noGrp="1" noChangeAspect="1"/>
+          </p:cNvPicPr>
+          <p:nvPr>
+            <p:ph type="pic" sz="quarter" idx="13"/>
+          </p:nvPr>
+        </p:nvPicPr>
+        <p:blipFill>
+          <a:blip r:embed="rId4">
+            <a:extLst>
+              <a:ext uri="{28A0092B-C50C-407E-A947-70E740481C1C}">
+                <a14:useLocalDpi xmlns:a14="http://schemas.microsoft.com/office/drawing/2010/main" val="0"/>
+              </a:ext>
+            </a:extLst>
+          </a:blip>
+          <a:stretch>
+            <a:fillRect/>
+          </a:stretch>
+        </p:blipFill>
+        <p:spPr>
+          <a:xfrm>
+            <a:off x="831850" y="523105"/>
+            <a:ext cx="1076325" cy="1219200"/>
+          </a:xfrm>
+        </p:spPr>
+      </p:pic>
+    </p:spTree>
+    <p:extLst>
+      <p:ext uri="{BB962C8B-B14F-4D97-AF65-F5344CB8AC3E}">
+        <p14:creationId xmlns:p14="http://schemas.microsoft.com/office/powerpoint/2010/main" val="202239174"/>
+      </p:ext>
+    </p:extLst>
+  </p:cSld>
+  <p:clrMapOvr>
+    <a:masterClrMapping/>
+  </p:clrMapOvr>
+  <p:transition spd="slow">
+    <p:push dir="u"/>
+  </p:transition>
+</p:sld>
+</file>
+
+<file path=ppt/slides/slide11.xml><?xml version="1.0" encoding="utf-8"?>
 <p:sld xmlns:a="http://schemas.openxmlformats.org/drawingml/2006/main" xmlns:r="http://schemas.openxmlformats.org/officeDocument/2006/relationships" xmlns:p="http://schemas.openxmlformats.org/presentationml/2006/main">
   <p:cSld>
     <p:spTree>
@@ -44745,7 +44989,7 @@
           <p:cNvPr id="2" name="Cím 1">
             <a:extLst>
               <a:ext uri="{FF2B5EF4-FFF2-40B4-BE49-F238E27FC236}">
-                <a16:creationId xmlns:a16="http://schemas.microsoft.com/office/drawing/2014/main" id="{BD4B26A0-76B0-4D92-8A3B-F4FB7FCBBD52}"/>
+                <a16:creationId xmlns:a16="http://schemas.microsoft.com/office/drawing/2014/main" id="{910BCDBB-64F7-F19E-EFC0-E35445B9BF0D}"/>
               </a:ext>
             </a:extLst>
           </p:cNvPr>
@@ -44756,6 +45000,140 @@
             <p:ph type="title"/>
           </p:nvPr>
         </p:nvSpPr>
+        <p:spPr/>
+        <p:txBody>
+          <a:bodyPr/>
+          <a:lstStyle/>
+          <a:p>
+            <a:r>
+              <a:rPr lang="hu-HU" dirty="0" err="1"/>
+              <a:t>What</a:t>
+            </a:r>
+            <a:r>
+              <a:rPr lang="hu-HU" dirty="0"/>
+              <a:t> is </a:t>
+            </a:r>
+            <a:r>
+              <a:rPr lang="hu-HU" dirty="0" err="1"/>
+              <a:t>the</a:t>
+            </a:r>
+            <a:r>
+              <a:rPr lang="hu-HU" dirty="0"/>
+              <a:t> </a:t>
+            </a:r>
+            <a:r>
+              <a:rPr lang="hu-HU" dirty="0" err="1"/>
+              <a:t>ConsoleX</a:t>
+            </a:r>
+            <a:r>
+              <a:rPr lang="hu-HU" dirty="0"/>
+              <a:t>?</a:t>
+            </a:r>
+          </a:p>
+        </p:txBody>
+      </p:sp>
+      <p:sp>
+        <p:nvSpPr>
+          <p:cNvPr id="5" name="Dia számának helye 4">
+            <a:extLst>
+              <a:ext uri="{FF2B5EF4-FFF2-40B4-BE49-F238E27FC236}">
+                <a16:creationId xmlns:a16="http://schemas.microsoft.com/office/drawing/2014/main" id="{87387683-C385-9F32-8CDE-E5B2B950B900}"/>
+              </a:ext>
+            </a:extLst>
+          </p:cNvPr>
+          <p:cNvSpPr>
+            <a:spLocks noGrp="1"/>
+          </p:cNvSpPr>
+          <p:nvPr>
+            <p:ph type="sldNum" sz="quarter" idx="12"/>
+          </p:nvPr>
+        </p:nvSpPr>
+        <p:spPr/>
+        <p:txBody>
+          <a:bodyPr/>
+          <a:lstStyle/>
+          <a:p>
+            <a:pPr rtl="0"/>
+            <a:fld id="{8D581BC7-E183-40DB-AC97-C19EA4EB8894}" type="slidenum">
+              <a:rPr lang="hu-HU" noProof="0" smtClean="0"/>
+              <a:pPr rtl="0"/>
+              <a:t>2</a:t>
+            </a:fld>
+            <a:endParaRPr lang="hu-HU" noProof="0" dirty="0"/>
+          </a:p>
+        </p:txBody>
+      </p:sp>
+      <p:sp>
+        <p:nvSpPr>
+          <p:cNvPr id="10" name="Tartalom helye 9">
+            <a:extLst>
+              <a:ext uri="{FF2B5EF4-FFF2-40B4-BE49-F238E27FC236}">
+                <a16:creationId xmlns:a16="http://schemas.microsoft.com/office/drawing/2014/main" id="{AA632420-F2A1-ED60-A7F2-AC9AE2128097}"/>
+              </a:ext>
+            </a:extLst>
+          </p:cNvPr>
+          <p:cNvSpPr>
+            <a:spLocks noGrp="1"/>
+          </p:cNvSpPr>
+          <p:nvPr>
+            <p:ph idx="1"/>
+          </p:nvPr>
+        </p:nvSpPr>
+        <p:spPr/>
+        <p:txBody>
+          <a:bodyPr/>
+          <a:lstStyle/>
+          <a:p>
+            <a:endParaRPr lang="hu-HU" dirty="0"/>
+          </a:p>
+        </p:txBody>
+      </p:sp>
+    </p:spTree>
+    <p:extLst>
+      <p:ext uri="{BB962C8B-B14F-4D97-AF65-F5344CB8AC3E}">
+        <p14:creationId xmlns:p14="http://schemas.microsoft.com/office/powerpoint/2010/main" val="2290660741"/>
+      </p:ext>
+    </p:extLst>
+  </p:cSld>
+  <p:clrMapOvr>
+    <a:masterClrMapping/>
+  </p:clrMapOvr>
+</p:sld>
+</file>
+
+<file path=ppt/slides/slide3.xml><?xml version="1.0" encoding="utf-8"?>
+<p:sld xmlns:a="http://schemas.openxmlformats.org/drawingml/2006/main" xmlns:r="http://schemas.openxmlformats.org/officeDocument/2006/relationships" xmlns:p="http://schemas.openxmlformats.org/presentationml/2006/main">
+  <p:cSld>
+    <p:spTree>
+      <p:nvGrpSpPr>
+        <p:cNvPr id="1" name=""/>
+        <p:cNvGrpSpPr/>
+        <p:nvPr/>
+      </p:nvGrpSpPr>
+      <p:grpSpPr>
+        <a:xfrm>
+          <a:off x="0" y="0"/>
+          <a:ext cx="0" cy="0"/>
+          <a:chOff x="0" y="0"/>
+          <a:chExt cx="0" cy="0"/>
+        </a:xfrm>
+      </p:grpSpPr>
+      <p:sp>
+        <p:nvSpPr>
+          <p:cNvPr id="2" name="Cím 1">
+            <a:extLst>
+              <a:ext uri="{FF2B5EF4-FFF2-40B4-BE49-F238E27FC236}">
+                <a16:creationId xmlns:a16="http://schemas.microsoft.com/office/drawing/2014/main" id="{BD4B26A0-76B0-4D92-8A3B-F4FB7FCBBD52}"/>
+              </a:ext>
+            </a:extLst>
+          </p:cNvPr>
+          <p:cNvSpPr>
+            <a:spLocks noGrp="1"/>
+          </p:cNvSpPr>
+          <p:nvPr>
+            <p:ph type="title"/>
+          </p:nvPr>
+        </p:nvSpPr>
         <p:spPr>
           <a:xfrm>
             <a:off x="803276" y="2091023"/>
@@ -44883,7 +45261,7 @@
             <a:fld id="{8D581BC7-E183-40DB-AC97-C19EA4EB8894}" type="slidenum">
               <a:rPr lang="hu-HU" smtClean="0"/>
               <a:pPr rtl="0"/>
-              <a:t>2</a:t>
+              <a:t>3</a:t>
             </a:fld>
             <a:endParaRPr lang="hu-HU" dirty="0"/>
           </a:p>
@@ -45095,7 +45473,7 @@
 </p:sld>
 </file>
 
-<file path=ppt/slides/slide3.xml><?xml version="1.0" encoding="utf-8"?>
+<file path=ppt/slides/slide4.xml><?xml version="1.0" encoding="utf-8"?>
 <p:sld xmlns:a="http://schemas.openxmlformats.org/drawingml/2006/main" xmlns:r="http://schemas.openxmlformats.org/officeDocument/2006/relationships" xmlns:p="http://schemas.openxmlformats.org/presentationml/2006/main">
   <p:cSld>
     <p:spTree>
@@ -45448,7 +45826,7 @@
             <a:fld id="{8D581BC7-E183-40DB-AC97-C19EA4EB8894}" type="slidenum">
               <a:rPr lang="hu-HU" smtClean="0"/>
               <a:pPr rtl="0"/>
-              <a:t>3</a:t>
+              <a:t>4</a:t>
             </a:fld>
             <a:endParaRPr lang="hu-HU" dirty="0"/>
           </a:p>
@@ -45604,7 +45982,7 @@
 </p:sld>
 </file>
 
-<file path=ppt/slides/slide4.xml><?xml version="1.0" encoding="utf-8"?>
+<file path=ppt/slides/slide5.xml><?xml version="1.0" encoding="utf-8"?>
 <p:sld xmlns:a="http://schemas.openxmlformats.org/drawingml/2006/main" xmlns:r="http://schemas.openxmlformats.org/officeDocument/2006/relationships" xmlns:p="http://schemas.openxmlformats.org/presentationml/2006/main">
   <p:cSld>
     <p:spTree>
@@ -45715,7 +46093,7 @@
             <a:fld id="{8D581BC7-E183-40DB-AC97-C19EA4EB8894}" type="slidenum">
               <a:rPr lang="hu-HU" noProof="0" smtClean="0"/>
               <a:pPr rtl="0"/>
-              <a:t>4</a:t>
+              <a:t>5</a:t>
             </a:fld>
             <a:endParaRPr lang="hu-HU" noProof="0" dirty="0"/>
           </a:p>
@@ -46015,7 +46393,7 @@
 </p:sld>
 </file>
 
-<file path=ppt/slides/slide5.xml><?xml version="1.0" encoding="utf-8"?>
+<file path=ppt/slides/slide6.xml><?xml version="1.0" encoding="utf-8"?>
 <p:sld xmlns:a="http://schemas.openxmlformats.org/drawingml/2006/main" xmlns:r="http://schemas.openxmlformats.org/officeDocument/2006/relationships" xmlns:p="http://schemas.openxmlformats.org/presentationml/2006/main">
   <p:cSld>
     <p:spTree>
@@ -46086,7 +46464,7 @@
             <a:fld id="{8D581BC7-E183-40DB-AC97-C19EA4EB8894}" type="slidenum">
               <a:rPr lang="hu-HU" noProof="0" smtClean="0"/>
               <a:pPr rtl="0"/>
-              <a:t>5</a:t>
+              <a:t>6</a:t>
             </a:fld>
             <a:endParaRPr lang="hu-HU" noProof="0" dirty="0"/>
           </a:p>
@@ -46569,7 +46947,7 @@
 </p:sld>
 </file>
 
-<file path=ppt/slides/slide6.xml><?xml version="1.0" encoding="utf-8"?>
+<file path=ppt/slides/slide7.xml><?xml version="1.0" encoding="utf-8"?>
 <p:sld xmlns:a="http://schemas.openxmlformats.org/drawingml/2006/main" xmlns:r="http://schemas.openxmlformats.org/officeDocument/2006/relationships" xmlns:p="http://schemas.openxmlformats.org/presentationml/2006/main">
   <p:cSld>
     <p:bg>
@@ -46855,7 +47233,7 @@
             <a:pPr rtl="0"/>
             <a:fld id="{8D581BC7-E183-40DB-AC97-C19EA4EB8894}" type="slidenum">
               <a:rPr lang="hu-HU" smtClean="0"/>
-              <a:t>6</a:t>
+              <a:t>7</a:t>
             </a:fld>
             <a:endParaRPr lang="hu-HU" dirty="0"/>
           </a:p>
@@ -46906,7 +47284,7 @@
 </p:sld>
 </file>
 
-<file path=ppt/slides/slide7.xml><?xml version="1.0" encoding="utf-8"?>
+<file path=ppt/slides/slide8.xml><?xml version="1.0" encoding="utf-8"?>
 <p:sld xmlns:a="http://schemas.openxmlformats.org/drawingml/2006/main" xmlns:r="http://schemas.openxmlformats.org/officeDocument/2006/relationships" xmlns:p="http://schemas.openxmlformats.org/presentationml/2006/main">
   <p:cSld>
     <p:spTree>
@@ -46977,7 +47355,7 @@
             <a:fld id="{8D581BC7-E183-40DB-AC97-C19EA4EB8894}" type="slidenum">
               <a:rPr lang="hu-HU" noProof="0" smtClean="0"/>
               <a:pPr rtl="0"/>
-              <a:t>7</a:t>
+              <a:t>8</a:t>
             </a:fld>
             <a:endParaRPr lang="hu-HU" noProof="0" dirty="0"/>
           </a:p>
@@ -47257,7 +47635,7 @@
 </p:sld>
 </file>
 
-<file path=ppt/slides/slide8.xml><?xml version="1.0" encoding="utf-8"?>
+<file path=ppt/slides/slide9.xml><?xml version="1.0" encoding="utf-8"?>
 <p:sld xmlns:a="http://schemas.openxmlformats.org/drawingml/2006/main" xmlns:r="http://schemas.openxmlformats.org/officeDocument/2006/relationships" xmlns:p="http://schemas.openxmlformats.org/presentationml/2006/main">
   <p:cSld>
     <p:spTree>
@@ -47356,7 +47734,7 @@
             <a:fld id="{8D581BC7-E183-40DB-AC97-C19EA4EB8894}" type="slidenum">
               <a:rPr lang="hu-HU" noProof="0" smtClean="0"/>
               <a:pPr rtl="0"/>
-              <a:t>8</a:t>
+              <a:t>9</a:t>
             </a:fld>
             <a:endParaRPr lang="hu-HU" noProof="0" dirty="0"/>
           </a:p>
@@ -47594,249 +47972,6 @@
       </p:par>
     </p:tnLst>
   </p:timing>
-</p:sld>
-</file>
-
-<file path=ppt/slides/slide9.xml><?xml version="1.0" encoding="utf-8"?>
-<p:sld xmlns:a="http://schemas.openxmlformats.org/drawingml/2006/main" xmlns:r="http://schemas.openxmlformats.org/officeDocument/2006/relationships" xmlns:p="http://schemas.openxmlformats.org/presentationml/2006/main">
-  <p:cSld>
-    <p:spTree>
-      <p:nvGrpSpPr>
-        <p:cNvPr id="1" name=""/>
-        <p:cNvGrpSpPr/>
-        <p:nvPr/>
-      </p:nvGrpSpPr>
-      <p:grpSpPr>
-        <a:xfrm>
-          <a:off x="0" y="0"/>
-          <a:ext cx="0" cy="0"/>
-          <a:chOff x="0" y="0"/>
-          <a:chExt cx="0" cy="0"/>
-        </a:xfrm>
-      </p:grpSpPr>
-      <p:pic>
-        <p:nvPicPr>
-          <p:cNvPr id="20" name="Kép helyőrzője 19" descr="Absztrakt háttér">
-            <a:extLst>
-              <a:ext uri="{FF2B5EF4-FFF2-40B4-BE49-F238E27FC236}">
-                <a16:creationId xmlns:a16="http://schemas.microsoft.com/office/drawing/2014/main" id="{B9CF847D-0BA8-4D40-B95D-DAC8A415A56D}"/>
-              </a:ext>
-            </a:extLst>
-          </p:cNvPr>
-          <p:cNvPicPr>
-            <a:picLocks noGrp="1" noChangeAspect="1"/>
-          </p:cNvPicPr>
-          <p:nvPr>
-            <p:ph type="pic" sz="quarter" idx="15"/>
-          </p:nvPr>
-        </p:nvPicPr>
-        <p:blipFill>
-          <a:blip r:embed="rId3">
-            <a:extLst>
-              <a:ext uri="{28A0092B-C50C-407E-A947-70E740481C1C}">
-                <a14:useLocalDpi xmlns:a14="http://schemas.microsoft.com/office/drawing/2010/main" val="0"/>
-              </a:ext>
-            </a:extLst>
-          </a:blip>
-          <a:srcRect/>
-          <a:stretch>
-            <a:fillRect/>
-          </a:stretch>
-        </p:blipFill>
-        <p:spPr>
-          <a:xfrm>
-            <a:off x="365406" y="1742305"/>
-            <a:ext cx="6073999" cy="3721608"/>
-          </a:xfrm>
-        </p:spPr>
-      </p:pic>
-      <p:sp>
-        <p:nvSpPr>
-          <p:cNvPr id="5" name="Cím 4">
-            <a:extLst>
-              <a:ext uri="{FF2B5EF4-FFF2-40B4-BE49-F238E27FC236}">
-                <a16:creationId xmlns:a16="http://schemas.microsoft.com/office/drawing/2014/main" id="{953F70E9-6111-446A-BD49-B6A996FA030D}"/>
-              </a:ext>
-            </a:extLst>
-          </p:cNvPr>
-          <p:cNvSpPr>
-            <a:spLocks noGrp="1"/>
-          </p:cNvSpPr>
-          <p:nvPr>
-            <p:ph type="title"/>
-          </p:nvPr>
-        </p:nvSpPr>
-        <p:spPr/>
-        <p:txBody>
-          <a:bodyPr rtlCol="0"/>
-          <a:lstStyle/>
-          <a:p>
-            <a:pPr rtl="0"/>
-            <a:r>
-              <a:rPr lang="hu-HU" dirty="0" err="1"/>
-              <a:t>Summary</a:t>
-            </a:r>
-            <a:endParaRPr lang="hu-HU" dirty="0"/>
-          </a:p>
-        </p:txBody>
-      </p:sp>
-      <p:sp>
-        <p:nvSpPr>
-          <p:cNvPr id="6" name="Szöveg helye 5">
-            <a:extLst>
-              <a:ext uri="{FF2B5EF4-FFF2-40B4-BE49-F238E27FC236}">
-                <a16:creationId xmlns:a16="http://schemas.microsoft.com/office/drawing/2014/main" id="{33221DE2-465E-4B89-BDBB-17EC727932B0}"/>
-              </a:ext>
-            </a:extLst>
-          </p:cNvPr>
-          <p:cNvSpPr>
-            <a:spLocks noGrp="1"/>
-          </p:cNvSpPr>
-          <p:nvPr>
-            <p:ph type="body" idx="1"/>
-          </p:nvPr>
-        </p:nvSpPr>
-        <p:spPr/>
-        <p:txBody>
-          <a:bodyPr rtlCol="0">
-            <a:normAutofit/>
-          </a:bodyPr>
-          <a:lstStyle/>
-          <a:p>
-            <a:pPr rtl="0"/>
-            <a:r>
-              <a:rPr lang="hu-HU" sz="2400" dirty="0" err="1"/>
-              <a:t>What</a:t>
-            </a:r>
-            <a:r>
-              <a:rPr lang="hu-HU" sz="2400" dirty="0"/>
-              <a:t> </a:t>
-            </a:r>
-            <a:r>
-              <a:rPr lang="hu-HU" sz="2400" dirty="0" err="1"/>
-              <a:t>we</a:t>
-            </a:r>
-            <a:r>
-              <a:rPr lang="hu-HU" sz="2400" dirty="0"/>
-              <a:t> </a:t>
-            </a:r>
-            <a:r>
-              <a:rPr lang="hu-HU" sz="2400" dirty="0" err="1"/>
-              <a:t>accomplished</a:t>
-            </a:r>
-            <a:r>
-              <a:rPr lang="hu-HU" sz="2400" dirty="0"/>
-              <a:t>:</a:t>
-            </a:r>
-          </a:p>
-        </p:txBody>
-      </p:sp>
-      <p:sp>
-        <p:nvSpPr>
-          <p:cNvPr id="8" name="Szöveg helye 7">
-            <a:extLst>
-              <a:ext uri="{FF2B5EF4-FFF2-40B4-BE49-F238E27FC236}">
-                <a16:creationId xmlns:a16="http://schemas.microsoft.com/office/drawing/2014/main" id="{7F9E6494-1485-4A3D-8CD3-31B5FAC16899}"/>
-              </a:ext>
-            </a:extLst>
-          </p:cNvPr>
-          <p:cNvSpPr>
-            <a:spLocks noGrp="1"/>
-          </p:cNvSpPr>
-          <p:nvPr>
-            <p:ph type="body" idx="14"/>
-          </p:nvPr>
-        </p:nvSpPr>
-        <p:spPr/>
-        <p:txBody>
-          <a:bodyPr rtlCol="0"/>
-          <a:lstStyle/>
-          <a:p>
-            <a:pPr rtl="0"/>
-            <a:r>
-              <a:rPr lang="hu-HU" dirty="0"/>
-              <a:t>.</a:t>
-            </a:r>
-          </a:p>
-          <a:p>
-            <a:pPr rtl="0"/>
-            <a:endParaRPr lang="hu-HU" dirty="0"/>
-          </a:p>
-        </p:txBody>
-      </p:sp>
-      <p:sp>
-        <p:nvSpPr>
-          <p:cNvPr id="4" name="Dia számának helye 3">
-            <a:extLst>
-              <a:ext uri="{FF2B5EF4-FFF2-40B4-BE49-F238E27FC236}">
-                <a16:creationId xmlns:a16="http://schemas.microsoft.com/office/drawing/2014/main" id="{F9EB9F42-DBAC-4200-A2A6-96F4D943EB76}"/>
-              </a:ext>
-            </a:extLst>
-          </p:cNvPr>
-          <p:cNvSpPr>
-            <a:spLocks noGrp="1"/>
-          </p:cNvSpPr>
-          <p:nvPr>
-            <p:ph type="sldNum" sz="quarter" idx="12"/>
-          </p:nvPr>
-        </p:nvSpPr>
-        <p:spPr/>
-        <p:txBody>
-          <a:bodyPr rtlCol="0"/>
-          <a:lstStyle/>
-          <a:p>
-            <a:pPr rtl="0"/>
-            <a:fld id="{8D581BC7-E183-40DB-AC97-C19EA4EB8894}" type="slidenum">
-              <a:rPr lang="hu-HU" smtClean="0"/>
-              <a:pPr rtl="0"/>
-              <a:t>9</a:t>
-            </a:fld>
-            <a:endParaRPr lang="hu-HU" dirty="0"/>
-          </a:p>
-        </p:txBody>
-      </p:sp>
-      <p:pic>
-        <p:nvPicPr>
-          <p:cNvPr id="9" name="Kép helye 8"/>
-          <p:cNvPicPr>
-            <a:picLocks noGrp="1" noChangeAspect="1"/>
-          </p:cNvPicPr>
-          <p:nvPr>
-            <p:ph type="pic" sz="quarter" idx="13"/>
-          </p:nvPr>
-        </p:nvPicPr>
-        <p:blipFill>
-          <a:blip r:embed="rId4">
-            <a:extLst>
-              <a:ext uri="{28A0092B-C50C-407E-A947-70E740481C1C}">
-                <a14:useLocalDpi xmlns:a14="http://schemas.microsoft.com/office/drawing/2010/main" val="0"/>
-              </a:ext>
-            </a:extLst>
-          </a:blip>
-          <a:stretch>
-            <a:fillRect/>
-          </a:stretch>
-        </p:blipFill>
-        <p:spPr>
-          <a:xfrm>
-            <a:off x="831850" y="523105"/>
-            <a:ext cx="1076325" cy="1219200"/>
-          </a:xfrm>
-        </p:spPr>
-      </p:pic>
-    </p:spTree>
-    <p:extLst>
-      <p:ext uri="{BB962C8B-B14F-4D97-AF65-F5344CB8AC3E}">
-        <p14:creationId xmlns:p14="http://schemas.microsoft.com/office/powerpoint/2010/main" val="202239174"/>
-      </p:ext>
-    </p:extLst>
-  </p:cSld>
-  <p:clrMapOvr>
-    <a:masterClrMapping/>
-  </p:clrMapOvr>
-  <p:transition spd="slow">
-    <p:push dir="u"/>
-  </p:transition>
 </p:sld>
 </file>
 

--- a/docs/ConsoleXPresentation.pptx
+++ b/docs/ConsoleXPresentation.pptx
@@ -5,10 +5,10 @@
     <p:sldMasterId id="2147483648" r:id="rId1"/>
   </p:sldMasterIdLst>
   <p:notesMasterIdLst>
-    <p:notesMasterId r:id="rId13"/>
+    <p:notesMasterId r:id="rId12"/>
   </p:notesMasterIdLst>
   <p:handoutMasterIdLst>
-    <p:handoutMasterId r:id="rId14"/>
+    <p:handoutMasterId r:id="rId13"/>
   </p:handoutMasterIdLst>
   <p:sldIdLst>
     <p:sldId id="256" r:id="rId2"/>
@@ -20,8 +20,7 @@
     <p:sldId id="265" r:id="rId8"/>
     <p:sldId id="291" r:id="rId9"/>
     <p:sldId id="289" r:id="rId10"/>
-    <p:sldId id="276" r:id="rId11"/>
-    <p:sldId id="277" r:id="rId12"/>
+    <p:sldId id="277" r:id="rId11"/>
   </p:sldIdLst>
   <p:sldSz cx="12192000" cy="6858000"/>
   <p:notesSz cx="6858000" cy="9144000"/>
@@ -147,6 +146,14 @@
 </p:presentation>
 </file>
 
+<file path=ppt/revisionInfo.xml><?xml version="1.0" encoding="utf-8"?>
+<p1510:revInfo xmlns:a="http://schemas.openxmlformats.org/drawingml/2006/main" xmlns:r="http://schemas.openxmlformats.org/officeDocument/2006/relationships" xmlns:p1510="http://schemas.microsoft.com/office/powerpoint/2015/10/main">
+  <p1510:revLst>
+    <p1510:client id="{8365AB70-7564-4453-8385-78C42F8AA916}" v="170" dt="2025-04-20T09:14:24.674"/>
+  </p1510:revLst>
+</p1510:revInfo>
+</file>
+
 <file path=ppt/handoutMasters/handoutMaster1.xml><?xml version="1.0" encoding="utf-8"?>
 <p:handoutMaster xmlns:a="http://schemas.openxmlformats.org/drawingml/2006/main" xmlns:r="http://schemas.openxmlformats.org/officeDocument/2006/relationships" xmlns:p="http://schemas.openxmlformats.org/presentationml/2006/main">
   <p:cSld>
@@ -243,7 +250,7 @@
             <a:pPr rtl="0"/>
             <a:fld id="{7334EB05-B65D-4357-89E6-1998AEC274BF}" type="datetime1">
               <a:rPr lang="hu-HU" smtClean="0"/>
-              <a:t>2025. 04. 15.</a:t>
+              <a:t>2025. 04. 20.</a:t>
             </a:fld>
             <a:endParaRPr lang="hu-HU" dirty="0"/>
           </a:p>
@@ -425,7 +432,7 @@
             <a:pPr rtl="0"/>
             <a:fld id="{9E734C57-E9E1-41CF-980D-894129B14651}" type="datetime1">
               <a:rPr lang="hu-HU" noProof="0" smtClean="0"/>
-              <a:t>2025. 04. 15.</a:t>
+              <a:t>2025. 04. 20.</a:t>
             </a:fld>
             <a:endParaRPr lang="hu-HU" noProof="0" dirty="0"/>
           </a:p>
@@ -1041,92 +1048,6 @@
 </file>
 
 <file path=ppt/notesSlides/notesSlide5.xml><?xml version="1.0" encoding="utf-8"?>
-<p:notes xmlns:a="http://schemas.openxmlformats.org/drawingml/2006/main" xmlns:r="http://schemas.openxmlformats.org/officeDocument/2006/relationships" xmlns:p="http://schemas.openxmlformats.org/presentationml/2006/main">
-  <p:cSld>
-    <p:spTree>
-      <p:nvGrpSpPr>
-        <p:cNvPr id="1" name=""/>
-        <p:cNvGrpSpPr/>
-        <p:nvPr/>
-      </p:nvGrpSpPr>
-      <p:grpSpPr>
-        <a:xfrm>
-          <a:off x="0" y="0"/>
-          <a:ext cx="0" cy="0"/>
-          <a:chOff x="0" y="0"/>
-          <a:chExt cx="0" cy="0"/>
-        </a:xfrm>
-      </p:grpSpPr>
-      <p:sp>
-        <p:nvSpPr>
-          <p:cNvPr id="2" name="Diakép helye 1"/>
-          <p:cNvSpPr>
-            <a:spLocks noGrp="1" noRot="1" noChangeAspect="1"/>
-          </p:cNvSpPr>
-          <p:nvPr>
-            <p:ph type="sldImg"/>
-          </p:nvPr>
-        </p:nvSpPr>
-        <p:spPr/>
-      </p:sp>
-      <p:sp>
-        <p:nvSpPr>
-          <p:cNvPr id="3" name="Jegyzetek helye 2"/>
-          <p:cNvSpPr>
-            <a:spLocks noGrp="1"/>
-          </p:cNvSpPr>
-          <p:nvPr>
-            <p:ph type="body" idx="1"/>
-          </p:nvPr>
-        </p:nvSpPr>
-        <p:spPr/>
-        <p:txBody>
-          <a:bodyPr rtlCol="0"/>
-          <a:lstStyle/>
-          <a:p>
-            <a:pPr rtl="0"/>
-            <a:endParaRPr lang="hu-HU" dirty="0"/>
-          </a:p>
-        </p:txBody>
-      </p:sp>
-      <p:sp>
-        <p:nvSpPr>
-          <p:cNvPr id="4" name="Dia számának helye 3"/>
-          <p:cNvSpPr>
-            <a:spLocks noGrp="1"/>
-          </p:cNvSpPr>
-          <p:nvPr>
-            <p:ph type="sldNum" sz="quarter" idx="10"/>
-          </p:nvPr>
-        </p:nvSpPr>
-        <p:spPr/>
-        <p:txBody>
-          <a:bodyPr rtlCol="0"/>
-          <a:lstStyle/>
-          <a:p>
-            <a:pPr rtl="0"/>
-            <a:fld id="{6FC40A10-6036-4879-816D-55C01FC94846}" type="slidenum">
-              <a:rPr lang="hu-HU" smtClean="0"/>
-              <a:t>10</a:t>
-            </a:fld>
-            <a:endParaRPr lang="hu-HU" dirty="0"/>
-          </a:p>
-        </p:txBody>
-      </p:sp>
-    </p:spTree>
-    <p:extLst>
-      <p:ext uri="{BB962C8B-B14F-4D97-AF65-F5344CB8AC3E}">
-        <p14:creationId xmlns:p14="http://schemas.microsoft.com/office/powerpoint/2010/main" val="3916594054"/>
-      </p:ext>
-    </p:extLst>
-  </p:cSld>
-  <p:clrMapOvr>
-    <a:masterClrMapping/>
-  </p:clrMapOvr>
-</p:notes>
-</file>
-
-<file path=ppt/notesSlides/notesSlide6.xml><?xml version="1.0" encoding="utf-8"?>
 <p:notes xmlns:a="http://schemas.openxmlformats.org/drawingml/2006/main" xmlns:r="http://schemas.openxmlformats.org/officeDocument/2006/relationships" xmlns:p="http://schemas.openxmlformats.org/presentationml/2006/main">
   <p:cSld>
     <p:spTree>
@@ -44481,249 +44402,6 @@
           <a:chExt cx="0" cy="0"/>
         </a:xfrm>
       </p:grpSpPr>
-      <p:pic>
-        <p:nvPicPr>
-          <p:cNvPr id="20" name="Kép helyőrzője 19" descr="Absztrakt háttér">
-            <a:extLst>
-              <a:ext uri="{FF2B5EF4-FFF2-40B4-BE49-F238E27FC236}">
-                <a16:creationId xmlns:a16="http://schemas.microsoft.com/office/drawing/2014/main" id="{B9CF847D-0BA8-4D40-B95D-DAC8A415A56D}"/>
-              </a:ext>
-            </a:extLst>
-          </p:cNvPr>
-          <p:cNvPicPr>
-            <a:picLocks noGrp="1" noChangeAspect="1"/>
-          </p:cNvPicPr>
-          <p:nvPr>
-            <p:ph type="pic" sz="quarter" idx="15"/>
-          </p:nvPr>
-        </p:nvPicPr>
-        <p:blipFill>
-          <a:blip r:embed="rId3">
-            <a:extLst>
-              <a:ext uri="{28A0092B-C50C-407E-A947-70E740481C1C}">
-                <a14:useLocalDpi xmlns:a14="http://schemas.microsoft.com/office/drawing/2010/main" val="0"/>
-              </a:ext>
-            </a:extLst>
-          </a:blip>
-          <a:srcRect/>
-          <a:stretch>
-            <a:fillRect/>
-          </a:stretch>
-        </p:blipFill>
-        <p:spPr>
-          <a:xfrm>
-            <a:off x="365406" y="1742305"/>
-            <a:ext cx="6073999" cy="3721608"/>
-          </a:xfrm>
-        </p:spPr>
-      </p:pic>
-      <p:sp>
-        <p:nvSpPr>
-          <p:cNvPr id="5" name="Cím 4">
-            <a:extLst>
-              <a:ext uri="{FF2B5EF4-FFF2-40B4-BE49-F238E27FC236}">
-                <a16:creationId xmlns:a16="http://schemas.microsoft.com/office/drawing/2014/main" id="{953F70E9-6111-446A-BD49-B6A996FA030D}"/>
-              </a:ext>
-            </a:extLst>
-          </p:cNvPr>
-          <p:cNvSpPr>
-            <a:spLocks noGrp="1"/>
-          </p:cNvSpPr>
-          <p:nvPr>
-            <p:ph type="title"/>
-          </p:nvPr>
-        </p:nvSpPr>
-        <p:spPr/>
-        <p:txBody>
-          <a:bodyPr rtlCol="0"/>
-          <a:lstStyle/>
-          <a:p>
-            <a:pPr rtl="0"/>
-            <a:r>
-              <a:rPr lang="hu-HU" dirty="0" err="1"/>
-              <a:t>Summary</a:t>
-            </a:r>
-            <a:endParaRPr lang="hu-HU" dirty="0"/>
-          </a:p>
-        </p:txBody>
-      </p:sp>
-      <p:sp>
-        <p:nvSpPr>
-          <p:cNvPr id="6" name="Szöveg helye 5">
-            <a:extLst>
-              <a:ext uri="{FF2B5EF4-FFF2-40B4-BE49-F238E27FC236}">
-                <a16:creationId xmlns:a16="http://schemas.microsoft.com/office/drawing/2014/main" id="{33221DE2-465E-4B89-BDBB-17EC727932B0}"/>
-              </a:ext>
-            </a:extLst>
-          </p:cNvPr>
-          <p:cNvSpPr>
-            <a:spLocks noGrp="1"/>
-          </p:cNvSpPr>
-          <p:nvPr>
-            <p:ph type="body" idx="1"/>
-          </p:nvPr>
-        </p:nvSpPr>
-        <p:spPr/>
-        <p:txBody>
-          <a:bodyPr rtlCol="0">
-            <a:normAutofit/>
-          </a:bodyPr>
-          <a:lstStyle/>
-          <a:p>
-            <a:pPr rtl="0"/>
-            <a:r>
-              <a:rPr lang="hu-HU" sz="2400" dirty="0" err="1"/>
-              <a:t>What</a:t>
-            </a:r>
-            <a:r>
-              <a:rPr lang="hu-HU" sz="2400" dirty="0"/>
-              <a:t> </a:t>
-            </a:r>
-            <a:r>
-              <a:rPr lang="hu-HU" sz="2400" dirty="0" err="1"/>
-              <a:t>we</a:t>
-            </a:r>
-            <a:r>
-              <a:rPr lang="hu-HU" sz="2400" dirty="0"/>
-              <a:t> </a:t>
-            </a:r>
-            <a:r>
-              <a:rPr lang="hu-HU" sz="2400" dirty="0" err="1"/>
-              <a:t>accomplished</a:t>
-            </a:r>
-            <a:r>
-              <a:rPr lang="hu-HU" sz="2400" dirty="0"/>
-              <a:t>:</a:t>
-            </a:r>
-          </a:p>
-        </p:txBody>
-      </p:sp>
-      <p:sp>
-        <p:nvSpPr>
-          <p:cNvPr id="8" name="Szöveg helye 7">
-            <a:extLst>
-              <a:ext uri="{FF2B5EF4-FFF2-40B4-BE49-F238E27FC236}">
-                <a16:creationId xmlns:a16="http://schemas.microsoft.com/office/drawing/2014/main" id="{7F9E6494-1485-4A3D-8CD3-31B5FAC16899}"/>
-              </a:ext>
-            </a:extLst>
-          </p:cNvPr>
-          <p:cNvSpPr>
-            <a:spLocks noGrp="1"/>
-          </p:cNvSpPr>
-          <p:nvPr>
-            <p:ph type="body" idx="14"/>
-          </p:nvPr>
-        </p:nvSpPr>
-        <p:spPr/>
-        <p:txBody>
-          <a:bodyPr rtlCol="0"/>
-          <a:lstStyle/>
-          <a:p>
-            <a:pPr rtl="0"/>
-            <a:r>
-              <a:rPr lang="hu-HU" dirty="0"/>
-              <a:t>.</a:t>
-            </a:r>
-          </a:p>
-          <a:p>
-            <a:pPr rtl="0"/>
-            <a:endParaRPr lang="hu-HU" dirty="0"/>
-          </a:p>
-        </p:txBody>
-      </p:sp>
-      <p:sp>
-        <p:nvSpPr>
-          <p:cNvPr id="4" name="Dia számának helye 3">
-            <a:extLst>
-              <a:ext uri="{FF2B5EF4-FFF2-40B4-BE49-F238E27FC236}">
-                <a16:creationId xmlns:a16="http://schemas.microsoft.com/office/drawing/2014/main" id="{F9EB9F42-DBAC-4200-A2A6-96F4D943EB76}"/>
-              </a:ext>
-            </a:extLst>
-          </p:cNvPr>
-          <p:cNvSpPr>
-            <a:spLocks noGrp="1"/>
-          </p:cNvSpPr>
-          <p:nvPr>
-            <p:ph type="sldNum" sz="quarter" idx="12"/>
-          </p:nvPr>
-        </p:nvSpPr>
-        <p:spPr/>
-        <p:txBody>
-          <a:bodyPr rtlCol="0"/>
-          <a:lstStyle/>
-          <a:p>
-            <a:pPr rtl="0"/>
-            <a:fld id="{8D581BC7-E183-40DB-AC97-C19EA4EB8894}" type="slidenum">
-              <a:rPr lang="hu-HU" smtClean="0"/>
-              <a:pPr rtl="0"/>
-              <a:t>10</a:t>
-            </a:fld>
-            <a:endParaRPr lang="hu-HU" dirty="0"/>
-          </a:p>
-        </p:txBody>
-      </p:sp>
-      <p:pic>
-        <p:nvPicPr>
-          <p:cNvPr id="9" name="Kép helye 8"/>
-          <p:cNvPicPr>
-            <a:picLocks noGrp="1" noChangeAspect="1"/>
-          </p:cNvPicPr>
-          <p:nvPr>
-            <p:ph type="pic" sz="quarter" idx="13"/>
-          </p:nvPr>
-        </p:nvPicPr>
-        <p:blipFill>
-          <a:blip r:embed="rId4">
-            <a:extLst>
-              <a:ext uri="{28A0092B-C50C-407E-A947-70E740481C1C}">
-                <a14:useLocalDpi xmlns:a14="http://schemas.microsoft.com/office/drawing/2010/main" val="0"/>
-              </a:ext>
-            </a:extLst>
-          </a:blip>
-          <a:stretch>
-            <a:fillRect/>
-          </a:stretch>
-        </p:blipFill>
-        <p:spPr>
-          <a:xfrm>
-            <a:off x="831850" y="523105"/>
-            <a:ext cx="1076325" cy="1219200"/>
-          </a:xfrm>
-        </p:spPr>
-      </p:pic>
-    </p:spTree>
-    <p:extLst>
-      <p:ext uri="{BB962C8B-B14F-4D97-AF65-F5344CB8AC3E}">
-        <p14:creationId xmlns:p14="http://schemas.microsoft.com/office/powerpoint/2010/main" val="202239174"/>
-      </p:ext>
-    </p:extLst>
-  </p:cSld>
-  <p:clrMapOvr>
-    <a:masterClrMapping/>
-  </p:clrMapOvr>
-  <p:transition spd="slow">
-    <p:push dir="u"/>
-  </p:transition>
-</p:sld>
-</file>
-
-<file path=ppt/slides/slide11.xml><?xml version="1.0" encoding="utf-8"?>
-<p:sld xmlns:a="http://schemas.openxmlformats.org/drawingml/2006/main" xmlns:r="http://schemas.openxmlformats.org/officeDocument/2006/relationships" xmlns:p="http://schemas.openxmlformats.org/presentationml/2006/main">
-  <p:cSld>
-    <p:spTree>
-      <p:nvGrpSpPr>
-        <p:cNvPr id="1" name=""/>
-        <p:cNvGrpSpPr/>
-        <p:nvPr/>
-      </p:nvGrpSpPr>
-      <p:grpSpPr>
-        <a:xfrm>
-          <a:off x="0" y="0"/>
-          <a:ext cx="0" cy="0"/>
-          <a:chOff x="0" y="0"/>
-          <a:chExt cx="0" cy="0"/>
-        </a:xfrm>
-      </p:grpSpPr>
       <p:sp>
         <p:nvSpPr>
           <p:cNvPr id="6" name="Cím 5">
@@ -45079,15 +44757,579 @@
             <p:ph idx="1"/>
           </p:nvPr>
         </p:nvSpPr>
-        <p:spPr/>
-        <p:txBody>
-          <a:bodyPr/>
+        <p:spPr>
+          <a:xfrm>
+            <a:off x="838200" y="1488566"/>
+            <a:ext cx="5532522" cy="4534293"/>
+          </a:xfrm>
+        </p:spPr>
+        <p:txBody>
+          <a:bodyPr vert="horz" lIns="91440" tIns="45720" rIns="91440" bIns="45720" rtlCol="0" anchor="t">
+            <a:normAutofit lnSpcReduction="10000"/>
+          </a:bodyPr>
           <a:lstStyle/>
           <a:p>
-            <a:endParaRPr lang="hu-HU" dirty="0"/>
-          </a:p>
-        </p:txBody>
-      </p:sp>
+            <a:pPr marL="0" indent="0">
+              <a:buNone/>
+            </a:pPr>
+            <a:r>
+              <a:rPr lang="hu-HU" err="1">
+                <a:ea typeface="+mn-lt"/>
+                <a:cs typeface="+mn-lt"/>
+              </a:rPr>
+              <a:t>ConsoleX</a:t>
+            </a:r>
+            <a:r>
+              <a:rPr lang="hu-HU" dirty="0">
+                <a:ea typeface="+mn-lt"/>
+                <a:cs typeface="+mn-lt"/>
+              </a:rPr>
+              <a:t> is </a:t>
+            </a:r>
+            <a:r>
+              <a:rPr lang="hu-HU" err="1">
+                <a:ea typeface="+mn-lt"/>
+                <a:cs typeface="+mn-lt"/>
+              </a:rPr>
+              <a:t>your</a:t>
+            </a:r>
+            <a:r>
+              <a:rPr lang="hu-HU" dirty="0">
+                <a:ea typeface="+mn-lt"/>
+                <a:cs typeface="+mn-lt"/>
+              </a:rPr>
+              <a:t> online </a:t>
+            </a:r>
+            <a:r>
+              <a:rPr lang="hu-HU" err="1">
+                <a:ea typeface="+mn-lt"/>
+                <a:cs typeface="+mn-lt"/>
+              </a:rPr>
+              <a:t>destination</a:t>
+            </a:r>
+            <a:r>
+              <a:rPr lang="hu-HU" dirty="0">
+                <a:ea typeface="+mn-lt"/>
+                <a:cs typeface="+mn-lt"/>
+              </a:rPr>
+              <a:t> </a:t>
+            </a:r>
+            <a:r>
+              <a:rPr lang="hu-HU" err="1">
+                <a:ea typeface="+mn-lt"/>
+                <a:cs typeface="+mn-lt"/>
+              </a:rPr>
+              <a:t>for</a:t>
+            </a:r>
+            <a:r>
+              <a:rPr lang="hu-HU" dirty="0">
+                <a:ea typeface="+mn-lt"/>
+                <a:cs typeface="+mn-lt"/>
+              </a:rPr>
+              <a:t> </a:t>
+            </a:r>
+            <a:r>
+              <a:rPr lang="hu-HU" err="1">
+                <a:ea typeface="+mn-lt"/>
+                <a:cs typeface="+mn-lt"/>
+              </a:rPr>
+              <a:t>gaming</a:t>
+            </a:r>
+            <a:r>
+              <a:rPr lang="hu-HU" dirty="0">
+                <a:ea typeface="+mn-lt"/>
+                <a:cs typeface="+mn-lt"/>
+              </a:rPr>
+              <a:t>. </a:t>
+            </a:r>
+            <a:endParaRPr lang="hu-HU"/>
+          </a:p>
+          <a:p>
+            <a:pPr marL="0" indent="0">
+              <a:buNone/>
+            </a:pPr>
+            <a:r>
+              <a:rPr lang="hu-HU" dirty="0" err="1">
+                <a:ea typeface="+mn-lt"/>
+                <a:cs typeface="+mn-lt"/>
+              </a:rPr>
+              <a:t>From</a:t>
+            </a:r>
+            <a:r>
+              <a:rPr lang="hu-HU" dirty="0">
+                <a:ea typeface="+mn-lt"/>
+                <a:cs typeface="+mn-lt"/>
+              </a:rPr>
+              <a:t> </a:t>
+            </a:r>
+            <a:r>
+              <a:rPr lang="hu-HU" dirty="0" err="1">
+                <a:ea typeface="+mn-lt"/>
+                <a:cs typeface="+mn-lt"/>
+              </a:rPr>
+              <a:t>the</a:t>
+            </a:r>
+            <a:r>
+              <a:rPr lang="hu-HU" dirty="0">
+                <a:ea typeface="+mn-lt"/>
+                <a:cs typeface="+mn-lt"/>
+              </a:rPr>
+              <a:t> latest </a:t>
+            </a:r>
+            <a:r>
+              <a:rPr lang="hu-HU" dirty="0" err="1">
+                <a:ea typeface="+mn-lt"/>
+                <a:cs typeface="+mn-lt"/>
+              </a:rPr>
+              <a:t>consoles</a:t>
+            </a:r>
+            <a:r>
+              <a:rPr lang="hu-HU" dirty="0">
+                <a:ea typeface="+mn-lt"/>
+                <a:cs typeface="+mn-lt"/>
+              </a:rPr>
+              <a:t> </a:t>
+            </a:r>
+            <a:r>
+              <a:rPr lang="hu-HU" dirty="0" err="1">
+                <a:ea typeface="+mn-lt"/>
+                <a:cs typeface="+mn-lt"/>
+              </a:rPr>
+              <a:t>to</a:t>
+            </a:r>
+            <a:r>
+              <a:rPr lang="hu-HU" dirty="0">
+                <a:ea typeface="+mn-lt"/>
+                <a:cs typeface="+mn-lt"/>
+              </a:rPr>
+              <a:t> must-</a:t>
+            </a:r>
+            <a:r>
+              <a:rPr lang="hu-HU" dirty="0" err="1">
+                <a:ea typeface="+mn-lt"/>
+                <a:cs typeface="+mn-lt"/>
+              </a:rPr>
+              <a:t>have</a:t>
+            </a:r>
+            <a:r>
+              <a:rPr lang="hu-HU" dirty="0">
+                <a:ea typeface="+mn-lt"/>
+                <a:cs typeface="+mn-lt"/>
+              </a:rPr>
+              <a:t> video </a:t>
+            </a:r>
+            <a:r>
+              <a:rPr lang="hu-HU" dirty="0" err="1">
+                <a:ea typeface="+mn-lt"/>
+                <a:cs typeface="+mn-lt"/>
+              </a:rPr>
+              <a:t>games</a:t>
+            </a:r>
+            <a:r>
+              <a:rPr lang="hu-HU" dirty="0">
+                <a:ea typeface="+mn-lt"/>
+                <a:cs typeface="+mn-lt"/>
+              </a:rPr>
+              <a:t> and </a:t>
+            </a:r>
+            <a:r>
+              <a:rPr lang="hu-HU" dirty="0" err="1">
+                <a:ea typeface="+mn-lt"/>
+                <a:cs typeface="+mn-lt"/>
+              </a:rPr>
+              <a:t>accessories</a:t>
+            </a:r>
+            <a:r>
+              <a:rPr lang="hu-HU" dirty="0">
+                <a:ea typeface="+mn-lt"/>
+                <a:cs typeface="+mn-lt"/>
+              </a:rPr>
+              <a:t>, </a:t>
+            </a:r>
+            <a:r>
+              <a:rPr lang="hu-HU" dirty="0" err="1">
+                <a:ea typeface="+mn-lt"/>
+                <a:cs typeface="+mn-lt"/>
+              </a:rPr>
+              <a:t>we</a:t>
+            </a:r>
+            <a:r>
+              <a:rPr lang="hu-HU" dirty="0">
+                <a:ea typeface="+mn-lt"/>
+                <a:cs typeface="+mn-lt"/>
+              </a:rPr>
+              <a:t> </a:t>
+            </a:r>
+            <a:r>
+              <a:rPr lang="hu-HU" dirty="0" err="1">
+                <a:ea typeface="+mn-lt"/>
+                <a:cs typeface="+mn-lt"/>
+              </a:rPr>
+              <a:t>make</a:t>
+            </a:r>
+            <a:r>
+              <a:rPr lang="hu-HU" dirty="0">
+                <a:ea typeface="+mn-lt"/>
+                <a:cs typeface="+mn-lt"/>
+              </a:rPr>
+              <a:t> </a:t>
+            </a:r>
+            <a:r>
+              <a:rPr lang="hu-HU" dirty="0" err="1">
+                <a:ea typeface="+mn-lt"/>
+                <a:cs typeface="+mn-lt"/>
+              </a:rPr>
+              <a:t>it</a:t>
+            </a:r>
+            <a:r>
+              <a:rPr lang="hu-HU" dirty="0">
+                <a:ea typeface="+mn-lt"/>
+                <a:cs typeface="+mn-lt"/>
+              </a:rPr>
+              <a:t> </a:t>
+            </a:r>
+            <a:r>
+              <a:rPr lang="hu-HU" dirty="0" err="1">
+                <a:ea typeface="+mn-lt"/>
+                <a:cs typeface="+mn-lt"/>
+              </a:rPr>
+              <a:t>easy</a:t>
+            </a:r>
+            <a:r>
+              <a:rPr lang="hu-HU" dirty="0">
+                <a:ea typeface="+mn-lt"/>
+                <a:cs typeface="+mn-lt"/>
+              </a:rPr>
+              <a:t> </a:t>
+            </a:r>
+            <a:r>
+              <a:rPr lang="hu-HU" dirty="0" err="1">
+                <a:ea typeface="+mn-lt"/>
+                <a:cs typeface="+mn-lt"/>
+              </a:rPr>
+              <a:t>for</a:t>
+            </a:r>
+            <a:r>
+              <a:rPr lang="hu-HU" dirty="0">
+                <a:ea typeface="+mn-lt"/>
+                <a:cs typeface="+mn-lt"/>
+              </a:rPr>
+              <a:t> </a:t>
+            </a:r>
+            <a:r>
+              <a:rPr lang="hu-HU" dirty="0" err="1">
+                <a:ea typeface="+mn-lt"/>
+                <a:cs typeface="+mn-lt"/>
+              </a:rPr>
+              <a:t>gamers</a:t>
+            </a:r>
+            <a:r>
+              <a:rPr lang="hu-HU" dirty="0">
+                <a:ea typeface="+mn-lt"/>
+                <a:cs typeface="+mn-lt"/>
+              </a:rPr>
+              <a:t> </a:t>
+            </a:r>
+            <a:r>
+              <a:rPr lang="hu-HU" dirty="0" err="1">
+                <a:ea typeface="+mn-lt"/>
+                <a:cs typeface="+mn-lt"/>
+              </a:rPr>
+              <a:t>to</a:t>
+            </a:r>
+            <a:r>
+              <a:rPr lang="hu-HU" dirty="0">
+                <a:ea typeface="+mn-lt"/>
+                <a:cs typeface="+mn-lt"/>
+              </a:rPr>
+              <a:t> </a:t>
+            </a:r>
+            <a:r>
+              <a:rPr lang="hu-HU" dirty="0" err="1">
+                <a:ea typeface="+mn-lt"/>
+                <a:cs typeface="+mn-lt"/>
+              </a:rPr>
+              <a:t>find</a:t>
+            </a:r>
+            <a:r>
+              <a:rPr lang="hu-HU" dirty="0">
+                <a:ea typeface="+mn-lt"/>
+                <a:cs typeface="+mn-lt"/>
+              </a:rPr>
+              <a:t> and </a:t>
+            </a:r>
+            <a:r>
+              <a:rPr lang="hu-HU" dirty="0" err="1">
+                <a:ea typeface="+mn-lt"/>
+                <a:cs typeface="+mn-lt"/>
+              </a:rPr>
+              <a:t>order</a:t>
+            </a:r>
+            <a:r>
+              <a:rPr lang="hu-HU" dirty="0">
+                <a:ea typeface="+mn-lt"/>
+                <a:cs typeface="+mn-lt"/>
+              </a:rPr>
+              <a:t> </a:t>
+            </a:r>
+            <a:r>
+              <a:rPr lang="hu-HU" dirty="0" err="1">
+                <a:ea typeface="+mn-lt"/>
+                <a:cs typeface="+mn-lt"/>
+              </a:rPr>
+              <a:t>everything</a:t>
+            </a:r>
+            <a:r>
+              <a:rPr lang="hu-HU" dirty="0">
+                <a:ea typeface="+mn-lt"/>
+                <a:cs typeface="+mn-lt"/>
+              </a:rPr>
+              <a:t> </a:t>
+            </a:r>
+            <a:r>
+              <a:rPr lang="hu-HU" dirty="0" err="1">
+                <a:ea typeface="+mn-lt"/>
+                <a:cs typeface="+mn-lt"/>
+              </a:rPr>
+              <a:t>they</a:t>
+            </a:r>
+            <a:r>
+              <a:rPr lang="hu-HU" dirty="0">
+                <a:ea typeface="+mn-lt"/>
+                <a:cs typeface="+mn-lt"/>
+              </a:rPr>
+              <a:t> </a:t>
+            </a:r>
+            <a:r>
+              <a:rPr lang="hu-HU" dirty="0" err="1">
+                <a:ea typeface="+mn-lt"/>
+                <a:cs typeface="+mn-lt"/>
+              </a:rPr>
+              <a:t>need</a:t>
+            </a:r>
+            <a:r>
+              <a:rPr lang="hu-HU" dirty="0">
+                <a:ea typeface="+mn-lt"/>
+                <a:cs typeface="+mn-lt"/>
+              </a:rPr>
+              <a:t> </a:t>
+            </a:r>
+            <a:r>
+              <a:rPr lang="hu-HU" dirty="0" err="1">
+                <a:ea typeface="+mn-lt"/>
+                <a:cs typeface="+mn-lt"/>
+              </a:rPr>
+              <a:t>all</a:t>
+            </a:r>
+            <a:r>
+              <a:rPr lang="hu-HU" dirty="0">
+                <a:ea typeface="+mn-lt"/>
+                <a:cs typeface="+mn-lt"/>
+              </a:rPr>
+              <a:t> in </a:t>
+            </a:r>
+            <a:r>
+              <a:rPr lang="hu-HU" dirty="0" err="1">
+                <a:ea typeface="+mn-lt"/>
+                <a:cs typeface="+mn-lt"/>
+              </a:rPr>
+              <a:t>one</a:t>
+            </a:r>
+            <a:r>
+              <a:rPr lang="hu-HU" dirty="0">
+                <a:ea typeface="+mn-lt"/>
+                <a:cs typeface="+mn-lt"/>
+              </a:rPr>
+              <a:t> </a:t>
+            </a:r>
+            <a:r>
+              <a:rPr lang="hu-HU" dirty="0" err="1">
+                <a:ea typeface="+mn-lt"/>
+                <a:cs typeface="+mn-lt"/>
+              </a:rPr>
+              <a:t>place</a:t>
+            </a:r>
+            <a:r>
+              <a:rPr lang="hu-HU" dirty="0">
+                <a:ea typeface="+mn-lt"/>
+                <a:cs typeface="+mn-lt"/>
+              </a:rPr>
+              <a:t>. </a:t>
+            </a:r>
+            <a:endParaRPr lang="hu-HU"/>
+          </a:p>
+          <a:p>
+            <a:pPr marL="0" indent="0">
+              <a:buNone/>
+            </a:pPr>
+            <a:r>
+              <a:rPr lang="hu-HU" dirty="0" err="1">
+                <a:ea typeface="+mn-lt"/>
+                <a:cs typeface="+mn-lt"/>
+              </a:rPr>
+              <a:t>ConsoleX</a:t>
+            </a:r>
+            <a:r>
+              <a:rPr lang="hu-HU" dirty="0">
+                <a:ea typeface="+mn-lt"/>
+                <a:cs typeface="+mn-lt"/>
+              </a:rPr>
+              <a:t> delivers top-</a:t>
+            </a:r>
+            <a:r>
+              <a:rPr lang="hu-HU" dirty="0" err="1">
+                <a:ea typeface="+mn-lt"/>
+                <a:cs typeface="+mn-lt"/>
+              </a:rPr>
+              <a:t>tier</a:t>
+            </a:r>
+            <a:r>
+              <a:rPr lang="hu-HU" dirty="0">
+                <a:ea typeface="+mn-lt"/>
+                <a:cs typeface="+mn-lt"/>
+              </a:rPr>
+              <a:t> </a:t>
+            </a:r>
+            <a:r>
+              <a:rPr lang="hu-HU" dirty="0" err="1">
+                <a:ea typeface="+mn-lt"/>
+                <a:cs typeface="+mn-lt"/>
+              </a:rPr>
+              <a:t>products</a:t>
+            </a:r>
+            <a:r>
+              <a:rPr lang="hu-HU" dirty="0">
+                <a:ea typeface="+mn-lt"/>
+                <a:cs typeface="+mn-lt"/>
+              </a:rPr>
+              <a:t> and a </a:t>
+            </a:r>
+            <a:r>
+              <a:rPr lang="hu-HU" dirty="0" err="1">
+                <a:ea typeface="+mn-lt"/>
+                <a:cs typeface="+mn-lt"/>
+              </a:rPr>
+              <a:t>seamless</a:t>
+            </a:r>
+            <a:r>
+              <a:rPr lang="hu-HU" dirty="0">
+                <a:ea typeface="+mn-lt"/>
+                <a:cs typeface="+mn-lt"/>
+              </a:rPr>
+              <a:t> shopping </a:t>
+            </a:r>
+            <a:r>
+              <a:rPr lang="hu-HU" dirty="0" err="1">
+                <a:ea typeface="+mn-lt"/>
+                <a:cs typeface="+mn-lt"/>
+              </a:rPr>
+              <a:t>experience</a:t>
+            </a:r>
+            <a:r>
+              <a:rPr lang="hu-HU" dirty="0">
+                <a:ea typeface="+mn-lt"/>
+                <a:cs typeface="+mn-lt"/>
+              </a:rPr>
+              <a:t> </a:t>
+            </a:r>
+            <a:r>
+              <a:rPr lang="hu-HU" dirty="0" err="1">
+                <a:ea typeface="+mn-lt"/>
+                <a:cs typeface="+mn-lt"/>
+              </a:rPr>
+              <a:t>tailored</a:t>
+            </a:r>
+            <a:r>
+              <a:rPr lang="hu-HU" dirty="0">
+                <a:ea typeface="+mn-lt"/>
+                <a:cs typeface="+mn-lt"/>
+              </a:rPr>
+              <a:t> </a:t>
+            </a:r>
+            <a:r>
+              <a:rPr lang="hu-HU" dirty="0" err="1">
+                <a:ea typeface="+mn-lt"/>
+                <a:cs typeface="+mn-lt"/>
+              </a:rPr>
+              <a:t>for</a:t>
+            </a:r>
+            <a:r>
+              <a:rPr lang="hu-HU" dirty="0">
+                <a:ea typeface="+mn-lt"/>
+                <a:cs typeface="+mn-lt"/>
+              </a:rPr>
+              <a:t> </a:t>
+            </a:r>
+            <a:r>
+              <a:rPr lang="hu-HU" dirty="0" err="1">
+                <a:ea typeface="+mn-lt"/>
+                <a:cs typeface="+mn-lt"/>
+              </a:rPr>
+              <a:t>every</a:t>
+            </a:r>
+            <a:r>
+              <a:rPr lang="hu-HU" dirty="0">
+                <a:ea typeface="+mn-lt"/>
+                <a:cs typeface="+mn-lt"/>
+              </a:rPr>
+              <a:t> </a:t>
+            </a:r>
+            <a:r>
+              <a:rPr lang="hu-HU" dirty="0" err="1">
+                <a:ea typeface="+mn-lt"/>
+                <a:cs typeface="+mn-lt"/>
+              </a:rPr>
+              <a:t>kind</a:t>
+            </a:r>
+            <a:r>
+              <a:rPr lang="hu-HU" dirty="0">
+                <a:ea typeface="+mn-lt"/>
+                <a:cs typeface="+mn-lt"/>
+              </a:rPr>
+              <a:t> of gamer.</a:t>
+            </a:r>
+            <a:endParaRPr lang="hu-HU">
+              <a:cs typeface="Segoe UI Light"/>
+            </a:endParaRPr>
+          </a:p>
+        </p:txBody>
+      </p:sp>
+      <p:pic>
+        <p:nvPicPr>
+          <p:cNvPr id="3" name="Kép 2" descr="Ranking Video Game Consoles By their launch Price (Least To Most Expensive)">
+            <a:extLst>
+              <a:ext uri="{FF2B5EF4-FFF2-40B4-BE49-F238E27FC236}">
+                <a16:creationId xmlns:a16="http://schemas.microsoft.com/office/drawing/2014/main" id="{F93E65DB-8617-8039-8B87-3A53447BCD91}"/>
+              </a:ext>
+            </a:extLst>
+          </p:cNvPr>
+          <p:cNvPicPr>
+            <a:picLocks noChangeAspect="1"/>
+          </p:cNvPicPr>
+          <p:nvPr/>
+        </p:nvPicPr>
+        <p:blipFill>
+          <a:blip r:embed="rId2"/>
+          <a:stretch>
+            <a:fillRect/>
+          </a:stretch>
+        </p:blipFill>
+        <p:spPr>
+          <a:xfrm>
+            <a:off x="6699584" y="2302042"/>
+            <a:ext cx="5249778" cy="2614863"/>
+          </a:xfrm>
+          <a:prstGeom prst="rect">
+            <a:avLst/>
+          </a:prstGeom>
+          <a:ln>
+            <a:noFill/>
+          </a:ln>
+          <a:effectLst>
+            <a:softEdge rad="112500"/>
+          </a:effectLst>
+        </p:spPr>
+      </p:pic>
     </p:spTree>
     <p:extLst>
       <p:ext uri="{BB962C8B-B14F-4D97-AF65-F5344CB8AC3E}">
@@ -45098,6 +45340,9 @@
   <p:clrMapOvr>
     <a:masterClrMapping/>
   </p:clrMapOvr>
+  <p:transition spd="slow">
+    <p:push dir="u"/>
+  </p:transition>
 </p:sld>
 </file>
 
@@ -46494,7 +46739,7 @@
         </p:blipFill>
         <p:spPr>
           <a:xfrm>
-            <a:off x="1133135" y="1156493"/>
+            <a:off x="4231266" y="1156493"/>
             <a:ext cx="3726198" cy="4545013"/>
           </a:xfrm>
         </p:spPr>
@@ -46517,12 +46762,12 @@
         </p:nvSpPr>
         <p:spPr>
           <a:xfrm>
-            <a:off x="6172200" y="365126"/>
-            <a:ext cx="5181600" cy="6388012"/>
+            <a:off x="8137358" y="405232"/>
+            <a:ext cx="3286627" cy="6448169"/>
           </a:xfrm>
         </p:spPr>
         <p:txBody>
-          <a:bodyPr>
+          <a:bodyPr vert="horz" lIns="91440" tIns="45720" rIns="91440" bIns="45720" rtlCol="0" anchor="t">
             <a:normAutofit fontScale="85000" lnSpcReduction="20000"/>
           </a:bodyPr>
           <a:lstStyle/>
@@ -46537,7 +46782,7 @@
             </a:r>
             <a:r>
               <a:rPr lang="hu-HU" dirty="0" err="1"/>
-              <a:t>connections</a:t>
+              <a:t>tables</a:t>
             </a:r>
             <a:r>
               <a:rPr lang="hu-HU" dirty="0"/>
@@ -46793,6 +47038,225 @@
           <a:xfrm>
             <a:off x="10274714" y="302650"/>
             <a:ext cx="1079086" cy="1219306"/>
+          </a:xfrm>
+          <a:prstGeom prst="rect">
+            <a:avLst/>
+          </a:prstGeom>
+        </p:spPr>
+      </p:pic>
+      <p:sp>
+        <p:nvSpPr>
+          <p:cNvPr id="3" name="Szövegdoboz 2">
+            <a:extLst>
+              <a:ext uri="{FF2B5EF4-FFF2-40B4-BE49-F238E27FC236}">
+                <a16:creationId xmlns:a16="http://schemas.microsoft.com/office/drawing/2014/main" id="{6692E444-86FC-43EB-0A7E-A33C03F9B9BA}"/>
+              </a:ext>
+            </a:extLst>
+          </p:cNvPr>
+          <p:cNvSpPr txBox="1"/>
+          <p:nvPr/>
+        </p:nvSpPr>
+        <p:spPr>
+          <a:xfrm>
+            <a:off x="892342" y="1483894"/>
+            <a:ext cx="2245894" cy="923330"/>
+          </a:xfrm>
+          <a:prstGeom prst="rect">
+            <a:avLst/>
+          </a:prstGeom>
+          <a:noFill/>
+        </p:spPr>
+        <p:txBody>
+          <a:bodyPr rot="0" spcFirstLastPara="0" vertOverflow="overflow" horzOverflow="overflow" vert="horz" wrap="square" lIns="91440" tIns="45720" rIns="91440" bIns="45720" numCol="1" spcCol="0" rtlCol="0" fromWordArt="0" anchor="t" anchorCtr="0" forceAA="0" compatLnSpc="1">
+            <a:prstTxWarp prst="textNoShape">
+              <a:avLst/>
+            </a:prstTxWarp>
+            <a:spAutoFit/>
+          </a:bodyPr>
+          <a:lstStyle/>
+          <a:p>
+            <a:r>
+              <a:rPr lang="hu-HU" dirty="0" err="1">
+                <a:solidFill>
+                  <a:schemeClr val="bg2"/>
+                </a:solidFill>
+                <a:cs typeface="Segoe UI Light"/>
+              </a:rPr>
+              <a:t>We</a:t>
+            </a:r>
+            <a:r>
+              <a:rPr lang="hu-HU" dirty="0">
+                <a:solidFill>
+                  <a:schemeClr val="bg2"/>
+                </a:solidFill>
+                <a:cs typeface="Segoe UI Light"/>
+              </a:rPr>
+              <a:t> </a:t>
+            </a:r>
+            <a:r>
+              <a:rPr lang="hu-HU" dirty="0" err="1">
+                <a:solidFill>
+                  <a:schemeClr val="bg2"/>
+                </a:solidFill>
+                <a:cs typeface="Segoe UI Light"/>
+              </a:rPr>
+              <a:t>used</a:t>
+            </a:r>
+            <a:r>
+              <a:rPr lang="hu-HU" dirty="0">
+                <a:solidFill>
+                  <a:schemeClr val="bg2"/>
+                </a:solidFill>
+                <a:cs typeface="Segoe UI Light"/>
+              </a:rPr>
+              <a:t> </a:t>
+            </a:r>
+            <a:r>
+              <a:rPr lang="hu-HU" dirty="0" err="1">
+                <a:solidFill>
+                  <a:schemeClr val="bg2"/>
+                </a:solidFill>
+                <a:cs typeface="Segoe UI Light"/>
+              </a:rPr>
+              <a:t>MySQL</a:t>
+            </a:r>
+            <a:r>
+              <a:rPr lang="hu-HU" dirty="0">
+                <a:solidFill>
+                  <a:schemeClr val="bg2"/>
+                </a:solidFill>
+                <a:cs typeface="Segoe UI Light"/>
+              </a:rPr>
+              <a:t> </a:t>
+            </a:r>
+          </a:p>
+          <a:p>
+            <a:r>
+              <a:rPr lang="hu-HU" dirty="0">
+                <a:solidFill>
+                  <a:schemeClr val="bg2"/>
+                </a:solidFill>
+                <a:cs typeface="Segoe UI Light"/>
+              </a:rPr>
+              <a:t>and </a:t>
+            </a:r>
+            <a:r>
+              <a:rPr lang="hu-HU" dirty="0" err="1">
+                <a:solidFill>
+                  <a:schemeClr val="bg2"/>
+                </a:solidFill>
+                <a:cs typeface="Segoe UI Light"/>
+              </a:rPr>
+              <a:t>phpMyAdmin</a:t>
+            </a:r>
+            <a:r>
+              <a:rPr lang="hu-HU" dirty="0">
+                <a:solidFill>
+                  <a:schemeClr val="bg2"/>
+                </a:solidFill>
+                <a:cs typeface="Segoe UI Light"/>
+              </a:rPr>
+              <a:t> </a:t>
+            </a:r>
+            <a:r>
+              <a:rPr lang="hu-HU" dirty="0" err="1">
+                <a:solidFill>
+                  <a:schemeClr val="bg2"/>
+                </a:solidFill>
+                <a:cs typeface="Segoe UI Light"/>
+              </a:rPr>
+              <a:t>to</a:t>
+            </a:r>
+            <a:r>
+              <a:rPr lang="hu-HU" dirty="0">
+                <a:solidFill>
+                  <a:schemeClr val="bg2"/>
+                </a:solidFill>
+                <a:cs typeface="Segoe UI Light"/>
+              </a:rPr>
+              <a:t> </a:t>
+            </a:r>
+            <a:r>
+              <a:rPr lang="hu-HU" dirty="0" err="1">
+                <a:solidFill>
+                  <a:schemeClr val="bg2"/>
+                </a:solidFill>
+                <a:cs typeface="Segoe UI Light"/>
+              </a:rPr>
+              <a:t>create</a:t>
+            </a:r>
+            <a:r>
+              <a:rPr lang="hu-HU" dirty="0">
+                <a:solidFill>
+                  <a:schemeClr val="bg2"/>
+                </a:solidFill>
+                <a:cs typeface="Segoe UI Light"/>
+              </a:rPr>
+              <a:t> </a:t>
+            </a:r>
+            <a:r>
+              <a:rPr lang="hu-HU" dirty="0" err="1">
+                <a:solidFill>
+                  <a:schemeClr val="bg2"/>
+                </a:solidFill>
+                <a:cs typeface="Segoe UI Light"/>
+              </a:rPr>
+              <a:t>the</a:t>
+            </a:r>
+            <a:r>
+              <a:rPr lang="hu-HU" dirty="0">
+                <a:solidFill>
+                  <a:schemeClr val="bg2"/>
+                </a:solidFill>
+                <a:cs typeface="Segoe UI Light"/>
+              </a:rPr>
+              <a:t> </a:t>
+            </a:r>
+            <a:r>
+              <a:rPr lang="hu-HU" dirty="0" err="1">
+                <a:solidFill>
+                  <a:schemeClr val="bg2"/>
+                </a:solidFill>
+                <a:cs typeface="Segoe UI Light"/>
+              </a:rPr>
+              <a:t>database</a:t>
+            </a:r>
+            <a:r>
+              <a:rPr lang="hu-HU" dirty="0">
+                <a:solidFill>
+                  <a:schemeClr val="bg2"/>
+                </a:solidFill>
+                <a:cs typeface="Segoe UI Light"/>
+              </a:rPr>
+              <a:t>.</a:t>
+            </a:r>
+          </a:p>
+        </p:txBody>
+      </p:sp>
+      <p:pic>
+        <p:nvPicPr>
+          <p:cNvPr id="4" name="Kép 3" descr="What is MySQL? | OVHcloud Ireland">
+            <a:extLst>
+              <a:ext uri="{FF2B5EF4-FFF2-40B4-BE49-F238E27FC236}">
+                <a16:creationId xmlns:a16="http://schemas.microsoft.com/office/drawing/2014/main" id="{B0E435D8-E2C9-8E62-1C56-37D061C037BC}"/>
+              </a:ext>
+            </a:extLst>
+          </p:cNvPr>
+          <p:cNvPicPr>
+            <a:picLocks noChangeAspect="1"/>
+          </p:cNvPicPr>
+          <p:nvPr/>
+        </p:nvPicPr>
+        <p:blipFill>
+          <a:blip r:embed="rId4"/>
+          <a:stretch>
+            <a:fillRect/>
+          </a:stretch>
+        </p:blipFill>
+        <p:spPr>
+          <a:xfrm>
+            <a:off x="774032" y="3121908"/>
+            <a:ext cx="2743199" cy="1175657"/>
           </a:xfrm>
           <a:prstGeom prst="rect">
             <a:avLst/>
@@ -47756,12 +48220,495 @@
             <p:ph sz="half" idx="1"/>
           </p:nvPr>
         </p:nvSpPr>
-        <p:spPr/>
-        <p:txBody>
-          <a:bodyPr/>
+        <p:spPr>
+          <a:xfrm>
+            <a:off x="7255042" y="1530469"/>
+            <a:ext cx="4940968" cy="3992273"/>
+          </a:xfrm>
+        </p:spPr>
+        <p:txBody>
+          <a:bodyPr vert="horz" lIns="91440" tIns="45720" rIns="91440" bIns="45720" rtlCol="0" anchor="t">
+            <a:normAutofit/>
+          </a:bodyPr>
           <a:lstStyle/>
           <a:p>
-            <a:endParaRPr lang="hu-HU" dirty="0"/>
+            <a:pPr marL="0" indent="0">
+              <a:buNone/>
+            </a:pPr>
+            <a:r>
+              <a:rPr lang="hu-HU" err="1">
+                <a:ea typeface="+mn-lt"/>
+                <a:cs typeface="+mn-lt"/>
+              </a:rPr>
+              <a:t>We</a:t>
+            </a:r>
+            <a:r>
+              <a:rPr lang="hu-HU" dirty="0">
+                <a:ea typeface="+mn-lt"/>
+                <a:cs typeface="+mn-lt"/>
+              </a:rPr>
+              <a:t> </a:t>
+            </a:r>
+            <a:r>
+              <a:rPr lang="hu-HU" err="1">
+                <a:ea typeface="+mn-lt"/>
+                <a:cs typeface="+mn-lt"/>
+              </a:rPr>
+              <a:t>used</a:t>
+            </a:r>
+            <a:r>
+              <a:rPr lang="hu-HU" dirty="0">
+                <a:ea typeface="+mn-lt"/>
+                <a:cs typeface="+mn-lt"/>
+              </a:rPr>
+              <a:t>:</a:t>
+            </a:r>
+            <a:endParaRPr lang="hu-HU" b="1" dirty="0">
+              <a:cs typeface="Segoe UI Light"/>
+            </a:endParaRPr>
+          </a:p>
+          <a:p>
+            <a:r>
+              <a:rPr lang="hu-HU" sz="1800" err="1">
+                <a:ea typeface="+mn-lt"/>
+                <a:cs typeface="+mn-lt"/>
+              </a:rPr>
+              <a:t>dotenv</a:t>
+            </a:r>
+            <a:r>
+              <a:rPr lang="hu-HU" sz="1800" dirty="0">
+                <a:ea typeface="+mn-lt"/>
+                <a:cs typeface="+mn-lt"/>
+              </a:rPr>
+              <a:t> </a:t>
+            </a:r>
+            <a:r>
+              <a:rPr lang="hu-HU" sz="1800" err="1">
+                <a:ea typeface="+mn-lt"/>
+                <a:cs typeface="+mn-lt"/>
+              </a:rPr>
+              <a:t>to</a:t>
+            </a:r>
+            <a:r>
+              <a:rPr lang="hu-HU" sz="1800" dirty="0">
+                <a:ea typeface="+mn-lt"/>
+                <a:cs typeface="+mn-lt"/>
+              </a:rPr>
+              <a:t> </a:t>
+            </a:r>
+            <a:r>
+              <a:rPr lang="hu-HU" sz="1800" err="1">
+                <a:ea typeface="+mn-lt"/>
+                <a:cs typeface="+mn-lt"/>
+              </a:rPr>
+              <a:t>manage</a:t>
+            </a:r>
+            <a:r>
+              <a:rPr lang="hu-HU" sz="1800" dirty="0">
+                <a:ea typeface="+mn-lt"/>
+                <a:cs typeface="+mn-lt"/>
+              </a:rPr>
+              <a:t> </a:t>
+            </a:r>
+            <a:r>
+              <a:rPr lang="hu-HU" sz="1800" err="1">
+                <a:ea typeface="+mn-lt"/>
+                <a:cs typeface="+mn-lt"/>
+              </a:rPr>
+              <a:t>environment</a:t>
+            </a:r>
+            <a:r>
+              <a:rPr lang="hu-HU" sz="1800" dirty="0">
+                <a:ea typeface="+mn-lt"/>
+                <a:cs typeface="+mn-lt"/>
+              </a:rPr>
+              <a:t> </a:t>
+            </a:r>
+            <a:r>
+              <a:rPr lang="hu-HU" sz="1800" err="1">
+                <a:ea typeface="+mn-lt"/>
+                <a:cs typeface="+mn-lt"/>
+              </a:rPr>
+              <a:t>variables</a:t>
+            </a:r>
+            <a:r>
+              <a:rPr lang="hu-HU" sz="1800" dirty="0">
+                <a:ea typeface="+mn-lt"/>
+                <a:cs typeface="+mn-lt"/>
+              </a:rPr>
+              <a:t> </a:t>
+            </a:r>
+            <a:r>
+              <a:rPr lang="hu-HU" sz="1800" err="1">
+                <a:ea typeface="+mn-lt"/>
+                <a:cs typeface="+mn-lt"/>
+              </a:rPr>
+              <a:t>securely</a:t>
+            </a:r>
+            <a:r>
+              <a:rPr lang="hu-HU" sz="1800" dirty="0">
+                <a:ea typeface="+mn-lt"/>
+                <a:cs typeface="+mn-lt"/>
+              </a:rPr>
+              <a:t>.</a:t>
+            </a:r>
+            <a:endParaRPr lang="hu-HU" sz="1800">
+              <a:cs typeface="Segoe UI Light"/>
+            </a:endParaRPr>
+          </a:p>
+          <a:p>
+            <a:r>
+              <a:rPr lang="hu-HU" sz="1800" dirty="0">
+                <a:ea typeface="+mn-lt"/>
+                <a:cs typeface="+mn-lt"/>
+              </a:rPr>
+              <a:t>CORS </a:t>
+            </a:r>
+            <a:r>
+              <a:rPr lang="hu-HU" sz="1800" err="1">
+                <a:ea typeface="+mn-lt"/>
+                <a:cs typeface="+mn-lt"/>
+              </a:rPr>
+              <a:t>to</a:t>
+            </a:r>
+            <a:r>
+              <a:rPr lang="hu-HU" sz="1800" dirty="0">
+                <a:ea typeface="+mn-lt"/>
+                <a:cs typeface="+mn-lt"/>
+              </a:rPr>
+              <a:t> </a:t>
+            </a:r>
+            <a:r>
+              <a:rPr lang="hu-HU" sz="1800" err="1">
+                <a:ea typeface="+mn-lt"/>
+                <a:cs typeface="+mn-lt"/>
+              </a:rPr>
+              <a:t>handle</a:t>
+            </a:r>
+            <a:r>
+              <a:rPr lang="hu-HU" sz="1800" dirty="0">
+                <a:ea typeface="+mn-lt"/>
+                <a:cs typeface="+mn-lt"/>
+              </a:rPr>
+              <a:t> </a:t>
+            </a:r>
+            <a:r>
+              <a:rPr lang="hu-HU" sz="1800" err="1">
+                <a:ea typeface="+mn-lt"/>
+                <a:cs typeface="+mn-lt"/>
+              </a:rPr>
+              <a:t>cross-origin</a:t>
+            </a:r>
+            <a:r>
+              <a:rPr lang="hu-HU" sz="1800" dirty="0">
+                <a:ea typeface="+mn-lt"/>
+                <a:cs typeface="+mn-lt"/>
+              </a:rPr>
+              <a:t> </a:t>
+            </a:r>
+            <a:r>
+              <a:rPr lang="hu-HU" sz="1800" err="1">
+                <a:ea typeface="+mn-lt"/>
+                <a:cs typeface="+mn-lt"/>
+              </a:rPr>
+              <a:t>requests</a:t>
+            </a:r>
+            <a:r>
+              <a:rPr lang="hu-HU" sz="1800" dirty="0">
+                <a:ea typeface="+mn-lt"/>
+                <a:cs typeface="+mn-lt"/>
+              </a:rPr>
+              <a:t> </a:t>
+            </a:r>
+            <a:r>
+              <a:rPr lang="hu-HU" sz="1800" err="1">
+                <a:ea typeface="+mn-lt"/>
+                <a:cs typeface="+mn-lt"/>
+              </a:rPr>
+              <a:t>between</a:t>
+            </a:r>
+            <a:r>
+              <a:rPr lang="hu-HU" sz="1800" dirty="0">
+                <a:ea typeface="+mn-lt"/>
+                <a:cs typeface="+mn-lt"/>
+              </a:rPr>
+              <a:t> frontend and backend.</a:t>
+            </a:r>
+            <a:endParaRPr lang="hu-HU" sz="1800">
+              <a:cs typeface="Segoe UI Light"/>
+            </a:endParaRPr>
+          </a:p>
+          <a:p>
+            <a:r>
+              <a:rPr lang="hu-HU" sz="1800" err="1">
+                <a:ea typeface="+mn-lt"/>
+                <a:cs typeface="+mn-lt"/>
+              </a:rPr>
+              <a:t>Organized</a:t>
+            </a:r>
+            <a:r>
+              <a:rPr lang="hu-HU" sz="1800" dirty="0">
+                <a:ea typeface="+mn-lt"/>
+                <a:cs typeface="+mn-lt"/>
+              </a:rPr>
+              <a:t> </a:t>
+            </a:r>
+            <a:r>
+              <a:rPr lang="hu-HU" sz="1800" err="1">
+                <a:ea typeface="+mn-lt"/>
+                <a:cs typeface="+mn-lt"/>
+              </a:rPr>
+              <a:t>controllers</a:t>
+            </a:r>
+            <a:r>
+              <a:rPr lang="hu-HU" sz="1800" dirty="0">
+                <a:ea typeface="+mn-lt"/>
+                <a:cs typeface="+mn-lt"/>
+              </a:rPr>
+              <a:t> </a:t>
+            </a:r>
+            <a:r>
+              <a:rPr lang="hu-HU" sz="1800" err="1">
+                <a:ea typeface="+mn-lt"/>
+                <a:cs typeface="+mn-lt"/>
+              </a:rPr>
+              <a:t>for</a:t>
+            </a:r>
+            <a:r>
+              <a:rPr lang="hu-HU" sz="1800" dirty="0">
+                <a:ea typeface="+mn-lt"/>
+                <a:cs typeface="+mn-lt"/>
+              </a:rPr>
+              <a:t> </a:t>
+            </a:r>
+            <a:r>
+              <a:rPr lang="hu-HU" sz="1800" err="1">
+                <a:ea typeface="+mn-lt"/>
+                <a:cs typeface="+mn-lt"/>
+              </a:rPr>
+              <a:t>admin</a:t>
+            </a:r>
+            <a:r>
+              <a:rPr lang="hu-HU" sz="1800" dirty="0">
+                <a:ea typeface="+mn-lt"/>
+                <a:cs typeface="+mn-lt"/>
+              </a:rPr>
+              <a:t>, </a:t>
+            </a:r>
+            <a:r>
+              <a:rPr lang="hu-HU" sz="1800" err="1">
+                <a:ea typeface="+mn-lt"/>
+                <a:cs typeface="+mn-lt"/>
+              </a:rPr>
+              <a:t>cart</a:t>
+            </a:r>
+            <a:r>
+              <a:rPr lang="hu-HU" sz="1800" dirty="0">
+                <a:ea typeface="+mn-lt"/>
+                <a:cs typeface="+mn-lt"/>
+              </a:rPr>
+              <a:t>, </a:t>
+            </a:r>
+            <a:r>
+              <a:rPr lang="hu-HU" sz="1800" err="1">
+                <a:ea typeface="+mn-lt"/>
+                <a:cs typeface="+mn-lt"/>
+              </a:rPr>
+              <a:t>orders</a:t>
+            </a:r>
+            <a:r>
+              <a:rPr lang="hu-HU" sz="1800" dirty="0">
+                <a:ea typeface="+mn-lt"/>
+                <a:cs typeface="+mn-lt"/>
+              </a:rPr>
+              <a:t>, login, </a:t>
+            </a:r>
+            <a:r>
+              <a:rPr lang="hu-HU" sz="1800" err="1">
+                <a:ea typeface="+mn-lt"/>
+                <a:cs typeface="+mn-lt"/>
+              </a:rPr>
+              <a:t>products</a:t>
+            </a:r>
+            <a:r>
+              <a:rPr lang="hu-HU" sz="1800" dirty="0">
+                <a:ea typeface="+mn-lt"/>
+                <a:cs typeface="+mn-lt"/>
+              </a:rPr>
+              <a:t>, and </a:t>
+            </a:r>
+            <a:r>
+              <a:rPr lang="hu-HU" sz="1800" err="1">
+                <a:ea typeface="+mn-lt"/>
+                <a:cs typeface="+mn-lt"/>
+              </a:rPr>
+              <a:t>registration</a:t>
+            </a:r>
+            <a:r>
+              <a:rPr lang="hu-HU" sz="1800" dirty="0">
+                <a:ea typeface="+mn-lt"/>
+                <a:cs typeface="+mn-lt"/>
+              </a:rPr>
+              <a:t>.</a:t>
+            </a:r>
+            <a:endParaRPr lang="hu-HU" sz="1800">
+              <a:cs typeface="Segoe UI Light"/>
+            </a:endParaRPr>
+          </a:p>
+          <a:p>
+            <a:r>
+              <a:rPr lang="hu-HU" sz="1800" err="1">
+                <a:ea typeface="+mn-lt"/>
+                <a:cs typeface="+mn-lt"/>
+              </a:rPr>
+              <a:t>Clean</a:t>
+            </a:r>
+            <a:r>
+              <a:rPr lang="hu-HU" sz="1800" dirty="0">
+                <a:ea typeface="+mn-lt"/>
+                <a:cs typeface="+mn-lt"/>
+              </a:rPr>
+              <a:t> </a:t>
+            </a:r>
+            <a:r>
+              <a:rPr lang="hu-HU" sz="1800" err="1">
+                <a:ea typeface="+mn-lt"/>
+                <a:cs typeface="+mn-lt"/>
+              </a:rPr>
+              <a:t>routing</a:t>
+            </a:r>
+            <a:r>
+              <a:rPr lang="hu-HU" sz="1800" dirty="0">
+                <a:ea typeface="+mn-lt"/>
+                <a:cs typeface="+mn-lt"/>
+              </a:rPr>
+              <a:t> </a:t>
+            </a:r>
+            <a:r>
+              <a:rPr lang="hu-HU" sz="1800" err="1">
+                <a:ea typeface="+mn-lt"/>
+                <a:cs typeface="+mn-lt"/>
+              </a:rPr>
+              <a:t>system</a:t>
+            </a:r>
+            <a:r>
+              <a:rPr lang="hu-HU" sz="1800" dirty="0">
+                <a:ea typeface="+mn-lt"/>
+                <a:cs typeface="+mn-lt"/>
+              </a:rPr>
+              <a:t> </a:t>
+            </a:r>
+            <a:r>
+              <a:rPr lang="hu-HU" sz="1800" err="1">
+                <a:ea typeface="+mn-lt"/>
+                <a:cs typeface="+mn-lt"/>
+              </a:rPr>
+              <a:t>for</a:t>
+            </a:r>
+            <a:r>
+              <a:rPr lang="hu-HU" sz="1800" dirty="0">
+                <a:ea typeface="+mn-lt"/>
+                <a:cs typeface="+mn-lt"/>
+              </a:rPr>
+              <a:t> </a:t>
+            </a:r>
+            <a:r>
+              <a:rPr lang="hu-HU" sz="1800" err="1">
+                <a:ea typeface="+mn-lt"/>
+                <a:cs typeface="+mn-lt"/>
+              </a:rPr>
+              <a:t>easy</a:t>
+            </a:r>
+            <a:r>
+              <a:rPr lang="hu-HU" sz="1800" dirty="0">
+                <a:ea typeface="+mn-lt"/>
+                <a:cs typeface="+mn-lt"/>
+              </a:rPr>
+              <a:t> API management.</a:t>
+            </a:r>
+            <a:endParaRPr lang="hu-HU" sz="1800">
+              <a:cs typeface="Segoe UI Light"/>
+            </a:endParaRPr>
+          </a:p>
+          <a:p>
+            <a:r>
+              <a:rPr lang="hu-HU" sz="1800" err="1">
+                <a:ea typeface="+mn-lt"/>
+                <a:cs typeface="+mn-lt"/>
+              </a:rPr>
+              <a:t>Middleware</a:t>
+            </a:r>
+            <a:r>
+              <a:rPr lang="hu-HU" sz="1800" dirty="0">
+                <a:ea typeface="+mn-lt"/>
+                <a:cs typeface="+mn-lt"/>
+              </a:rPr>
+              <a:t> </a:t>
+            </a:r>
+            <a:r>
+              <a:rPr lang="hu-HU" sz="1800" err="1">
+                <a:ea typeface="+mn-lt"/>
+                <a:cs typeface="+mn-lt"/>
+              </a:rPr>
+              <a:t>for</a:t>
+            </a:r>
+            <a:r>
+              <a:rPr lang="hu-HU" sz="1800" dirty="0">
+                <a:ea typeface="+mn-lt"/>
+                <a:cs typeface="+mn-lt"/>
+              </a:rPr>
+              <a:t> </a:t>
+            </a:r>
+            <a:r>
+              <a:rPr lang="hu-HU" sz="1800" err="1">
+                <a:ea typeface="+mn-lt"/>
+                <a:cs typeface="+mn-lt"/>
+              </a:rPr>
+              <a:t>authentication</a:t>
+            </a:r>
+            <a:r>
+              <a:rPr lang="hu-HU" sz="1800" dirty="0">
+                <a:ea typeface="+mn-lt"/>
+                <a:cs typeface="+mn-lt"/>
+              </a:rPr>
+              <a:t> and </a:t>
+            </a:r>
+            <a:r>
+              <a:rPr lang="hu-HU" sz="1800" err="1">
+                <a:ea typeface="+mn-lt"/>
+                <a:cs typeface="+mn-lt"/>
+              </a:rPr>
+              <a:t>request</a:t>
+            </a:r>
+            <a:r>
+              <a:rPr lang="hu-HU" sz="1800" dirty="0">
+                <a:ea typeface="+mn-lt"/>
+                <a:cs typeface="+mn-lt"/>
+              </a:rPr>
+              <a:t> </a:t>
+            </a:r>
+            <a:r>
+              <a:rPr lang="hu-HU" sz="1800" err="1">
+                <a:ea typeface="+mn-lt"/>
+                <a:cs typeface="+mn-lt"/>
+              </a:rPr>
+              <a:t>validation</a:t>
+            </a:r>
+            <a:r>
+              <a:rPr lang="hu-HU" sz="1800" dirty="0">
+                <a:ea typeface="+mn-lt"/>
+                <a:cs typeface="+mn-lt"/>
+              </a:rPr>
+              <a:t>.</a:t>
+            </a:r>
+            <a:endParaRPr lang="hu-HU" sz="1800">
+              <a:cs typeface="Segoe UI Light"/>
+            </a:endParaRPr>
+          </a:p>
+          <a:p>
+            <a:endParaRPr lang="hu-HU" b="1" dirty="0">
+              <a:cs typeface="Segoe UI Light"/>
+            </a:endParaRPr>
           </a:p>
         </p:txBody>
       </p:sp>
@@ -47789,8 +48736,8 @@
         </p:blipFill>
         <p:spPr>
           <a:xfrm>
-            <a:off x="6342904" y="1175901"/>
-            <a:ext cx="2306716" cy="4545013"/>
+            <a:off x="4117062" y="674585"/>
+            <a:ext cx="2918321" cy="5698039"/>
           </a:xfrm>
           <a:prstGeom prst="rect">
             <a:avLst/>
@@ -47827,6 +48774,375 @@
           </a:prstGeom>
         </p:spPr>
       </p:pic>
+      <p:sp>
+        <p:nvSpPr>
+          <p:cNvPr id="4" name="Szövegdoboz 3">
+            <a:extLst>
+              <a:ext uri="{FF2B5EF4-FFF2-40B4-BE49-F238E27FC236}">
+                <a16:creationId xmlns:a16="http://schemas.microsoft.com/office/drawing/2014/main" id="{DEBA7149-653D-6048-FD2C-4639D1FF0AB9}"/>
+              </a:ext>
+            </a:extLst>
+          </p:cNvPr>
+          <p:cNvSpPr txBox="1"/>
+          <p:nvPr/>
+        </p:nvSpPr>
+        <p:spPr>
+          <a:xfrm>
+            <a:off x="782052" y="3037974"/>
+            <a:ext cx="3204410" cy="2246769"/>
+          </a:xfrm>
+          <a:prstGeom prst="rect">
+            <a:avLst/>
+          </a:prstGeom>
+          <a:noFill/>
+        </p:spPr>
+        <p:txBody>
+          <a:bodyPr rot="0" spcFirstLastPara="0" vertOverflow="overflow" horzOverflow="overflow" vert="horz" wrap="square" lIns="91440" tIns="45720" rIns="91440" bIns="45720" numCol="1" spcCol="0" rtlCol="0" fromWordArt="0" anchor="t" anchorCtr="0" forceAA="0" compatLnSpc="1">
+            <a:prstTxWarp prst="textNoShape">
+              <a:avLst/>
+            </a:prstTxWarp>
+            <a:spAutoFit/>
+          </a:bodyPr>
+          <a:lstStyle/>
+          <a:p>
+            <a:r>
+              <a:rPr lang="hu-HU" sz="2000" dirty="0">
+                <a:solidFill>
+                  <a:schemeClr val="bg2"/>
+                </a:solidFill>
+                <a:ea typeface="+mn-lt"/>
+                <a:cs typeface="+mn-lt"/>
+              </a:rPr>
+              <a:t>The backend of </a:t>
+            </a:r>
+            <a:r>
+              <a:rPr lang="hu-HU" sz="2000" err="1">
+                <a:solidFill>
+                  <a:schemeClr val="bg2"/>
+                </a:solidFill>
+                <a:ea typeface="+mn-lt"/>
+                <a:cs typeface="+mn-lt"/>
+              </a:rPr>
+              <a:t>ConsoleX</a:t>
+            </a:r>
+            <a:r>
+              <a:rPr lang="hu-HU" sz="2000" dirty="0">
+                <a:solidFill>
+                  <a:schemeClr val="bg2"/>
+                </a:solidFill>
+                <a:ea typeface="+mn-lt"/>
+                <a:cs typeface="+mn-lt"/>
+              </a:rPr>
+              <a:t> is </a:t>
+            </a:r>
+            <a:r>
+              <a:rPr lang="hu-HU" sz="2000" err="1">
+                <a:solidFill>
+                  <a:schemeClr val="bg2"/>
+                </a:solidFill>
+                <a:ea typeface="+mn-lt"/>
+                <a:cs typeface="+mn-lt"/>
+              </a:rPr>
+              <a:t>built</a:t>
+            </a:r>
+            <a:r>
+              <a:rPr lang="hu-HU" sz="2000" dirty="0">
+                <a:solidFill>
+                  <a:schemeClr val="bg2"/>
+                </a:solidFill>
+                <a:ea typeface="+mn-lt"/>
+                <a:cs typeface="+mn-lt"/>
+              </a:rPr>
+              <a:t> </a:t>
+            </a:r>
+            <a:r>
+              <a:rPr lang="hu-HU" sz="2000" err="1">
+                <a:solidFill>
+                  <a:schemeClr val="bg2"/>
+                </a:solidFill>
+                <a:ea typeface="+mn-lt"/>
+                <a:cs typeface="+mn-lt"/>
+              </a:rPr>
+              <a:t>using</a:t>
+            </a:r>
+            <a:r>
+              <a:rPr lang="hu-HU" sz="2000" dirty="0">
+                <a:solidFill>
+                  <a:schemeClr val="bg2"/>
+                </a:solidFill>
+                <a:ea typeface="+mn-lt"/>
+                <a:cs typeface="+mn-lt"/>
+              </a:rPr>
+              <a:t> Node.js </a:t>
+            </a:r>
+            <a:r>
+              <a:rPr lang="hu-HU" sz="2000" err="1">
+                <a:solidFill>
+                  <a:schemeClr val="bg2"/>
+                </a:solidFill>
+                <a:ea typeface="+mn-lt"/>
+                <a:cs typeface="+mn-lt"/>
+              </a:rPr>
+              <a:t>with</a:t>
+            </a:r>
+            <a:r>
+              <a:rPr lang="hu-HU" sz="2000" dirty="0">
+                <a:solidFill>
+                  <a:schemeClr val="bg2"/>
+                </a:solidFill>
+                <a:ea typeface="+mn-lt"/>
+                <a:cs typeface="+mn-lt"/>
+              </a:rPr>
+              <a:t> </a:t>
+            </a:r>
+            <a:r>
+              <a:rPr lang="hu-HU" sz="2000" err="1">
+                <a:solidFill>
+                  <a:schemeClr val="bg2"/>
+                </a:solidFill>
+                <a:ea typeface="+mn-lt"/>
+                <a:cs typeface="+mn-lt"/>
+              </a:rPr>
+              <a:t>the</a:t>
+            </a:r>
+            <a:r>
+              <a:rPr lang="hu-HU" sz="2000" dirty="0">
+                <a:solidFill>
+                  <a:schemeClr val="bg2"/>
+                </a:solidFill>
+                <a:ea typeface="+mn-lt"/>
+                <a:cs typeface="+mn-lt"/>
+              </a:rPr>
+              <a:t> Express </a:t>
+            </a:r>
+            <a:r>
+              <a:rPr lang="hu-HU" sz="2000" err="1">
+                <a:solidFill>
+                  <a:schemeClr val="bg2"/>
+                </a:solidFill>
+                <a:ea typeface="+mn-lt"/>
+                <a:cs typeface="+mn-lt"/>
+              </a:rPr>
+              <a:t>framework</a:t>
+            </a:r>
+            <a:r>
+              <a:rPr lang="hu-HU" sz="2000" dirty="0">
+                <a:solidFill>
+                  <a:schemeClr val="bg2"/>
+                </a:solidFill>
+                <a:ea typeface="+mn-lt"/>
+                <a:cs typeface="+mn-lt"/>
+              </a:rPr>
+              <a:t> </a:t>
+            </a:r>
+            <a:r>
+              <a:rPr lang="hu-HU" sz="2000" err="1">
+                <a:solidFill>
+                  <a:schemeClr val="bg2"/>
+                </a:solidFill>
+                <a:ea typeface="+mn-lt"/>
+                <a:cs typeface="+mn-lt"/>
+              </a:rPr>
+              <a:t>to</a:t>
+            </a:r>
+            <a:r>
+              <a:rPr lang="hu-HU" sz="2000" dirty="0">
+                <a:solidFill>
+                  <a:schemeClr val="bg2"/>
+                </a:solidFill>
+                <a:ea typeface="+mn-lt"/>
+                <a:cs typeface="+mn-lt"/>
+              </a:rPr>
+              <a:t> </a:t>
+            </a:r>
+            <a:r>
+              <a:rPr lang="hu-HU" sz="2000" err="1">
+                <a:solidFill>
+                  <a:schemeClr val="bg2"/>
+                </a:solidFill>
+                <a:ea typeface="+mn-lt"/>
+                <a:cs typeface="+mn-lt"/>
+              </a:rPr>
+              <a:t>handle</a:t>
+            </a:r>
+            <a:r>
+              <a:rPr lang="hu-HU" sz="2000" dirty="0">
+                <a:solidFill>
+                  <a:schemeClr val="bg2"/>
+                </a:solidFill>
+                <a:ea typeface="+mn-lt"/>
+                <a:cs typeface="+mn-lt"/>
+              </a:rPr>
+              <a:t> server-</a:t>
+            </a:r>
+            <a:r>
+              <a:rPr lang="hu-HU" sz="2000" err="1">
+                <a:solidFill>
+                  <a:schemeClr val="bg2"/>
+                </a:solidFill>
+                <a:ea typeface="+mn-lt"/>
+                <a:cs typeface="+mn-lt"/>
+              </a:rPr>
+              <a:t>side</a:t>
+            </a:r>
+            <a:r>
+              <a:rPr lang="hu-HU" sz="2000" dirty="0">
+                <a:solidFill>
+                  <a:schemeClr val="bg2"/>
+                </a:solidFill>
+                <a:ea typeface="+mn-lt"/>
+                <a:cs typeface="+mn-lt"/>
+              </a:rPr>
+              <a:t> </a:t>
+            </a:r>
+            <a:r>
+              <a:rPr lang="hu-HU" sz="2000" err="1">
+                <a:solidFill>
+                  <a:schemeClr val="bg2"/>
+                </a:solidFill>
+                <a:ea typeface="+mn-lt"/>
+                <a:cs typeface="+mn-lt"/>
+              </a:rPr>
+              <a:t>logic</a:t>
+            </a:r>
+            <a:r>
+              <a:rPr lang="hu-HU" sz="2000" dirty="0">
+                <a:solidFill>
+                  <a:schemeClr val="bg2"/>
+                </a:solidFill>
+                <a:ea typeface="+mn-lt"/>
+                <a:cs typeface="+mn-lt"/>
+              </a:rPr>
+              <a:t> and </a:t>
+            </a:r>
+            <a:r>
+              <a:rPr lang="hu-HU" sz="2000" err="1">
+                <a:solidFill>
+                  <a:schemeClr val="bg2"/>
+                </a:solidFill>
+                <a:ea typeface="+mn-lt"/>
+                <a:cs typeface="+mn-lt"/>
+              </a:rPr>
+              <a:t>routing</a:t>
+            </a:r>
+            <a:r>
+              <a:rPr lang="hu-HU" sz="2000" dirty="0">
+                <a:solidFill>
+                  <a:schemeClr val="bg2"/>
+                </a:solidFill>
+                <a:ea typeface="+mn-lt"/>
+                <a:cs typeface="+mn-lt"/>
+              </a:rPr>
+              <a:t>. </a:t>
+            </a:r>
+            <a:endParaRPr lang="hu-HU" sz="2000" err="1">
+              <a:solidFill>
+                <a:schemeClr val="bg2"/>
+              </a:solidFill>
+              <a:ea typeface="+mn-lt"/>
+              <a:cs typeface="+mn-lt"/>
+            </a:endParaRPr>
+          </a:p>
+          <a:p>
+            <a:r>
+              <a:rPr lang="hu-HU" sz="2000" dirty="0" err="1">
+                <a:solidFill>
+                  <a:schemeClr val="bg2"/>
+                </a:solidFill>
+                <a:ea typeface="+mn-lt"/>
+                <a:cs typeface="+mn-lt"/>
+              </a:rPr>
+              <a:t>It</a:t>
+            </a:r>
+            <a:r>
+              <a:rPr lang="hu-HU" sz="2000" dirty="0">
+                <a:solidFill>
+                  <a:schemeClr val="bg2"/>
+                </a:solidFill>
+                <a:ea typeface="+mn-lt"/>
+                <a:cs typeface="+mn-lt"/>
+              </a:rPr>
+              <a:t> </a:t>
+            </a:r>
+            <a:r>
+              <a:rPr lang="hu-HU" sz="2000" dirty="0" err="1">
+                <a:solidFill>
+                  <a:schemeClr val="bg2"/>
+                </a:solidFill>
+                <a:ea typeface="+mn-lt"/>
+                <a:cs typeface="+mn-lt"/>
+              </a:rPr>
+              <a:t>connects</a:t>
+            </a:r>
+            <a:r>
+              <a:rPr lang="hu-HU" sz="2000" dirty="0">
+                <a:solidFill>
+                  <a:schemeClr val="bg2"/>
+                </a:solidFill>
+                <a:ea typeface="+mn-lt"/>
+                <a:cs typeface="+mn-lt"/>
+              </a:rPr>
+              <a:t> </a:t>
+            </a:r>
+            <a:r>
+              <a:rPr lang="hu-HU" sz="2000" dirty="0" err="1">
+                <a:solidFill>
+                  <a:schemeClr val="bg2"/>
+                </a:solidFill>
+                <a:ea typeface="+mn-lt"/>
+                <a:cs typeface="+mn-lt"/>
+              </a:rPr>
+              <a:t>to</a:t>
+            </a:r>
+            <a:r>
+              <a:rPr lang="hu-HU" sz="2000" dirty="0">
+                <a:solidFill>
+                  <a:schemeClr val="bg2"/>
+                </a:solidFill>
+                <a:ea typeface="+mn-lt"/>
+                <a:cs typeface="+mn-lt"/>
+              </a:rPr>
+              <a:t> a </a:t>
+            </a:r>
+            <a:r>
+              <a:rPr lang="hu-HU" sz="2000" dirty="0" err="1">
+                <a:solidFill>
+                  <a:schemeClr val="bg2"/>
+                </a:solidFill>
+                <a:ea typeface="+mn-lt"/>
+                <a:cs typeface="+mn-lt"/>
+              </a:rPr>
+              <a:t>MySQL</a:t>
+            </a:r>
+            <a:r>
+              <a:rPr lang="hu-HU" sz="2000" dirty="0">
+                <a:solidFill>
+                  <a:schemeClr val="bg2"/>
+                </a:solidFill>
+                <a:ea typeface="+mn-lt"/>
+                <a:cs typeface="+mn-lt"/>
+              </a:rPr>
+              <a:t> </a:t>
+            </a:r>
+            <a:r>
+              <a:rPr lang="hu-HU" sz="2000" dirty="0" err="1">
+                <a:solidFill>
+                  <a:schemeClr val="bg2"/>
+                </a:solidFill>
+                <a:ea typeface="+mn-lt"/>
+                <a:cs typeface="+mn-lt"/>
+              </a:rPr>
+              <a:t>database</a:t>
+            </a:r>
+            <a:endParaRPr lang="hu-HU" sz="2000" dirty="0">
+              <a:solidFill>
+                <a:schemeClr val="bg2"/>
+              </a:solidFill>
+              <a:cs typeface="Segoe UI Light"/>
+            </a:endParaRPr>
+          </a:p>
+        </p:txBody>
+      </p:sp>
     </p:spTree>
     <p:extLst>
       <p:ext uri="{BB962C8B-B14F-4D97-AF65-F5344CB8AC3E}">
